--- a/Presentation.pptx
+++ b/Presentation.pptx
@@ -1462,7 +1462,7 @@
               </a:spcAft>
               <a:buNone/>
             </a:pPr>
-            <a:endParaRPr/>
+            <a:endParaRPr dirty="0"/>
           </a:p>
         </p:txBody>
       </p:sp>
@@ -7136,15 +7136,15 @@
               <a:buNone/>
             </a:pPr>
             <a:r>
-              <a:rPr lang="ru" sz="2400">
-                <a:latin typeface="Times New Roman"/>
-                <a:ea typeface="Times New Roman"/>
-                <a:cs typeface="Times New Roman"/>
-                <a:sym typeface="Times New Roman"/>
-              </a:rPr>
-              <a:t>18</a:t>
-            </a:r>
-            <a:endParaRPr sz="2400">
+              <a:rPr lang="en-US" sz="2400" dirty="0" smtClean="0">
+                <a:latin typeface="Times New Roman"/>
+                <a:ea typeface="Times New Roman"/>
+                <a:cs typeface="Times New Roman"/>
+                <a:sym typeface="Times New Roman"/>
+              </a:rPr>
+              <a:t>10</a:t>
+            </a:r>
+            <a:endParaRPr sz="2400" dirty="0">
               <a:latin typeface="Times New Roman"/>
               <a:ea typeface="Times New Roman"/>
               <a:cs typeface="Times New Roman"/>
@@ -7284,15 +7284,15 @@
               <a:buNone/>
             </a:pPr>
             <a:r>
-              <a:rPr lang="ru" sz="2400">
-                <a:latin typeface="Times New Roman"/>
-                <a:ea typeface="Times New Roman"/>
-                <a:cs typeface="Times New Roman"/>
-                <a:sym typeface="Times New Roman"/>
-              </a:rPr>
-              <a:t>19</a:t>
-            </a:r>
-            <a:endParaRPr sz="2400">
+              <a:rPr lang="en-US" sz="2400" dirty="0" smtClean="0">
+                <a:latin typeface="Times New Roman"/>
+                <a:ea typeface="Times New Roman"/>
+                <a:cs typeface="Times New Roman"/>
+                <a:sym typeface="Times New Roman"/>
+              </a:rPr>
+              <a:t>11</a:t>
+            </a:r>
+            <a:endParaRPr sz="2400" dirty="0">
               <a:latin typeface="Times New Roman"/>
               <a:ea typeface="Times New Roman"/>
               <a:cs typeface="Times New Roman"/>
@@ -9594,19 +9594,7 @@
                 <a:cs typeface="Times New Roman"/>
                 <a:sym typeface="Times New Roman"/>
               </a:rPr>
-              <a:t>информации</a:t>
-            </a:r>
-            <a:r>
-              <a:rPr lang="ru-RU" dirty="0" smtClean="0">
-                <a:solidFill>
-                  <a:schemeClr val="dk1"/>
-                </a:solidFill>
-                <a:latin typeface="Times New Roman"/>
-                <a:ea typeface="Times New Roman"/>
-                <a:cs typeface="Times New Roman"/>
-                <a:sym typeface="Times New Roman"/>
-              </a:rPr>
-              <a:t>. Удобство админ-панели для просмотра информации о </a:t>
+              <a:t>информации. Удобство админ-панели для просмотра информации о </a:t>
             </a:r>
             <a:r>
               <a:rPr lang="ru-RU" dirty="0" err="1" smtClean="0">
@@ -9785,15 +9773,15 @@
               <a:buNone/>
             </a:pPr>
             <a:r>
-              <a:rPr lang="ru" sz="2400">
-                <a:latin typeface="Times New Roman"/>
-                <a:ea typeface="Times New Roman"/>
-                <a:cs typeface="Times New Roman"/>
-                <a:sym typeface="Times New Roman"/>
-              </a:rPr>
-              <a:t>4</a:t>
-            </a:r>
-            <a:endParaRPr sz="2400">
+              <a:rPr lang="en-US" sz="2400" dirty="0" smtClean="0">
+                <a:latin typeface="Times New Roman"/>
+                <a:ea typeface="Times New Roman"/>
+                <a:cs typeface="Times New Roman"/>
+                <a:sym typeface="Times New Roman"/>
+              </a:rPr>
+              <a:t>5</a:t>
+            </a:r>
+            <a:endParaRPr sz="2400" dirty="0">
               <a:latin typeface="Times New Roman"/>
               <a:ea typeface="Times New Roman"/>
               <a:cs typeface="Times New Roman"/>
@@ -10197,15 +10185,15 @@
               <a:buNone/>
             </a:pPr>
             <a:r>
-              <a:rPr lang="ru" sz="2400">
-                <a:latin typeface="Times New Roman"/>
-                <a:ea typeface="Times New Roman"/>
-                <a:cs typeface="Times New Roman"/>
-                <a:sym typeface="Times New Roman"/>
-              </a:rPr>
-              <a:t>5</a:t>
-            </a:r>
-            <a:endParaRPr sz="2400">
+              <a:rPr lang="en-US" sz="2400" dirty="0" smtClean="0">
+                <a:latin typeface="Times New Roman"/>
+                <a:ea typeface="Times New Roman"/>
+                <a:cs typeface="Times New Roman"/>
+                <a:sym typeface="Times New Roman"/>
+              </a:rPr>
+              <a:t>6</a:t>
+            </a:r>
+            <a:endParaRPr sz="2400" dirty="0">
               <a:latin typeface="Times New Roman"/>
               <a:ea typeface="Times New Roman"/>
               <a:cs typeface="Times New Roman"/>
@@ -10327,7 +10315,7 @@
               <a:buNone/>
             </a:pPr>
             <a:r>
-              <a:rPr lang="ru" sz="2400">
+              <a:rPr lang="en-US" sz="2400" dirty="0" smtClean="0">
                 <a:latin typeface="Times New Roman"/>
                 <a:ea typeface="Times New Roman"/>
                 <a:cs typeface="Times New Roman"/>
@@ -10335,7 +10323,7 @@
               </a:rPr>
               <a:t>7</a:t>
             </a:r>
-            <a:endParaRPr sz="2400">
+            <a:endParaRPr sz="2400" dirty="0">
               <a:latin typeface="Times New Roman"/>
               <a:ea typeface="Times New Roman"/>
               <a:cs typeface="Times New Roman"/>
@@ -10358,7 +10346,7 @@
         </p:nvGraphicFramePr>
         <p:xfrm>
           <a:off x="712063" y="466463"/>
-          <a:ext cx="7719025" cy="4073626"/>
+          <a:ext cx="7719025" cy="4096422"/>
         </p:xfrm>
         <a:graphic>
           <a:graphicData uri="http://schemas.openxmlformats.org/drawingml/2006/table">
@@ -11860,15 +11848,15 @@
               <a:buNone/>
             </a:pPr>
             <a:r>
-              <a:rPr lang="ru" sz="2400">
-                <a:latin typeface="Times New Roman"/>
-                <a:ea typeface="Times New Roman"/>
-                <a:cs typeface="Times New Roman"/>
-                <a:sym typeface="Times New Roman"/>
-              </a:rPr>
-              <a:t>12</a:t>
-            </a:r>
-            <a:endParaRPr sz="2400">
+              <a:rPr lang="en-US" sz="2400" dirty="0" smtClean="0">
+                <a:latin typeface="Times New Roman"/>
+                <a:ea typeface="Times New Roman"/>
+                <a:cs typeface="Times New Roman"/>
+                <a:sym typeface="Times New Roman"/>
+              </a:rPr>
+              <a:t>8</a:t>
+            </a:r>
+            <a:endParaRPr sz="2400" dirty="0">
               <a:latin typeface="Times New Roman"/>
               <a:ea typeface="Times New Roman"/>
               <a:cs typeface="Times New Roman"/>
@@ -11928,19 +11916,7 @@
                 <a:cs typeface="Times New Roman"/>
                 <a:sym typeface="Times New Roman"/>
               </a:rPr>
-              <a:t>   </a:t>
-            </a:r>
-            <a:r>
-              <a:rPr lang="ru-RU" sz="2000" dirty="0" smtClean="0">
-                <a:solidFill>
-                  <a:schemeClr val="dk1"/>
-                </a:solidFill>
-                <a:latin typeface="Times New Roman"/>
-                <a:ea typeface="Times New Roman"/>
-                <a:cs typeface="Times New Roman"/>
-                <a:sym typeface="Times New Roman"/>
-              </a:rPr>
-              <a:t>Предлагается совершенствование веб-сервиса для парсинга турецкой недвижимости. Решение состоит из двух модулей:</a:t>
+              <a:t>   Предлагается совершенствование веб-сервиса для парсинга турецкой недвижимости. Решение состоит из двух модулей:</a:t>
             </a:r>
           </a:p>
           <a:p>
@@ -12409,15 +12385,15 @@
               <a:buNone/>
             </a:pPr>
             <a:r>
-              <a:rPr lang="ru" sz="2400">
-                <a:latin typeface="Times New Roman"/>
-                <a:ea typeface="Times New Roman"/>
-                <a:cs typeface="Times New Roman"/>
-                <a:sym typeface="Times New Roman"/>
-              </a:rPr>
-              <a:t>4</a:t>
-            </a:r>
-            <a:endParaRPr sz="2400">
+              <a:rPr lang="en-US" sz="2400" dirty="0" smtClean="0">
+                <a:latin typeface="Times New Roman"/>
+                <a:ea typeface="Times New Roman"/>
+                <a:cs typeface="Times New Roman"/>
+                <a:sym typeface="Times New Roman"/>
+              </a:rPr>
+              <a:t>9</a:t>
+            </a:r>
+            <a:endParaRPr sz="2400" dirty="0">
               <a:latin typeface="Times New Roman"/>
               <a:ea typeface="Times New Roman"/>
               <a:cs typeface="Times New Roman"/>

--- a/Presentation.pptx
+++ b/Presentation.pptx
@@ -6820,12 +6820,20 @@
               <a:buSzPct val="30555"/>
             </a:pPr>
             <a:r>
-              <a:rPr lang="ru-RU" sz="3200" dirty="0"/>
+              <a:rPr lang="ru-RU" sz="3200" dirty="0" smtClean="0"/>
               <a:t>С</a:t>
             </a:r>
             <a:r>
-              <a:rPr lang="ru-RU" sz="3200" b="1" dirty="0"/>
-              <a:t>овершенствование веб-сервиса для автоматизированного сбора информации о турецкой недвижимости</a:t>
+              <a:rPr lang="ru-RU" sz="3200" b="1" dirty="0" smtClean="0"/>
+              <a:t>овершенствование </a:t>
+            </a:r>
+            <a:r>
+              <a:rPr lang="ru-RU" sz="3200" b="1" dirty="0" smtClean="0"/>
+              <a:t>программного сервиса </a:t>
+            </a:r>
+            <a:r>
+              <a:rPr lang="ru-RU" sz="3200" b="1" dirty="0" smtClean="0"/>
+              <a:t>для автоматизированного сбора информации о турецкой недвижимости</a:t>
             </a:r>
             <a:endParaRPr sz="1800" b="1" dirty="0">
               <a:latin typeface="Times New Roman"/>

--- a/Presentation.pptx
+++ b/Presentation.pptx
@@ -5,7 +5,7 @@
     <p:sldMasterId id="2147483659" r:id="rId1"/>
   </p:sldMasterIdLst>
   <p:notesMasterIdLst>
-    <p:notesMasterId r:id="rId13"/>
+    <p:notesMasterId r:id="rId18"/>
   </p:notesMasterIdLst>
   <p:sldIdLst>
     <p:sldId id="256" r:id="rId2"/>
@@ -15,10 +15,15 @@
     <p:sldId id="283" r:id="rId6"/>
     <p:sldId id="260" r:id="rId7"/>
     <p:sldId id="262" r:id="rId8"/>
-    <p:sldId id="267" r:id="rId9"/>
-    <p:sldId id="284" r:id="rId10"/>
-    <p:sldId id="273" r:id="rId11"/>
-    <p:sldId id="274" r:id="rId12"/>
+    <p:sldId id="284" r:id="rId9"/>
+    <p:sldId id="285" r:id="rId10"/>
+    <p:sldId id="286" r:id="rId11"/>
+    <p:sldId id="287" r:id="rId12"/>
+    <p:sldId id="273" r:id="rId13"/>
+    <p:sldId id="274" r:id="rId14"/>
+    <p:sldId id="288" r:id="rId15"/>
+    <p:sldId id="289" r:id="rId16"/>
+    <p:sldId id="290" r:id="rId17"/>
   </p:sldIdLst>
   <p:sldSz cx="9144000" cy="5143500" type="screen16x9"/>
   <p:notesSz cx="6858000" cy="9144000"/>
@@ -808,7 +813,7 @@
               </a:spcAft>
               <a:buNone/>
             </a:pPr>
-            <a:endParaRPr/>
+            <a:endParaRPr dirty="0"/>
           </a:p>
         </p:txBody>
       </p:sp>
@@ -826,6 +831,195 @@
 </file>
 
 <file path=ppt/notesSlides/notesSlide10.xml><?xml version="1.0" encoding="utf-8"?>
+<p:notes xmlns:a="http://schemas.openxmlformats.org/drawingml/2006/main" xmlns:r="http://schemas.openxmlformats.org/officeDocument/2006/relationships" xmlns:p="http://schemas.openxmlformats.org/presentationml/2006/main">
+  <p:cSld>
+    <p:spTree>
+      <p:nvGrpSpPr>
+        <p:cNvPr id="1" name=""/>
+        <p:cNvGrpSpPr/>
+        <p:nvPr/>
+      </p:nvGrpSpPr>
+      <p:grpSpPr>
+        <a:xfrm>
+          <a:off x="0" y="0"/>
+          <a:ext cx="0" cy="0"/>
+          <a:chOff x="0" y="0"/>
+          <a:chExt cx="0" cy="0"/>
+        </a:xfrm>
+      </p:grpSpPr>
+      <p:sp>
+        <p:nvSpPr>
+          <p:cNvPr id="2" name="Образ слайда 1"/>
+          <p:cNvSpPr>
+            <a:spLocks noGrp="1" noRot="1" noChangeAspect="1"/>
+          </p:cNvSpPr>
+          <p:nvPr>
+            <p:ph type="sldImg"/>
+          </p:nvPr>
+        </p:nvSpPr>
+        <p:spPr>
+          <a:xfrm>
+            <a:off x="381000" y="685800"/>
+            <a:ext cx="6096000" cy="3429000"/>
+          </a:xfrm>
+        </p:spPr>
+      </p:sp>
+      <p:sp>
+        <p:nvSpPr>
+          <p:cNvPr id="3" name="Заметки 2"/>
+          <p:cNvSpPr>
+            <a:spLocks noGrp="1"/>
+          </p:cNvSpPr>
+          <p:nvPr>
+            <p:ph type="body" idx="1"/>
+          </p:nvPr>
+        </p:nvSpPr>
+        <p:spPr/>
+        <p:txBody>
+          <a:bodyPr/>
+          <a:lstStyle/>
+          <a:p>
+            <a:pPr marL="158750" indent="0">
+              <a:buNone/>
+            </a:pPr>
+            <a:r>
+              <a:rPr lang="ru-RU" dirty="0" smtClean="0"/>
+              <a:t>Картинка</a:t>
+            </a:r>
+            <a:r>
+              <a:rPr lang="ru-RU" baseline="0" dirty="0" smtClean="0"/>
+              <a:t> структуру базы данных.</a:t>
+            </a:r>
+          </a:p>
+          <a:p>
+            <a:pPr marL="158750" indent="0">
+              <a:buNone/>
+            </a:pPr>
+            <a:r>
+              <a:rPr lang="ru-RU" baseline="0" dirty="0" smtClean="0"/>
+              <a:t>Добавить </a:t>
+            </a:r>
+            <a:r>
+              <a:rPr lang="en-US" baseline="0" dirty="0" smtClean="0"/>
+              <a:t>ERD</a:t>
+            </a:r>
+            <a:endParaRPr lang="ru-RU" dirty="0"/>
+          </a:p>
+        </p:txBody>
+      </p:sp>
+    </p:spTree>
+    <p:extLst>
+      <p:ext uri="{BB962C8B-B14F-4D97-AF65-F5344CB8AC3E}">
+        <p14:creationId xmlns:p14="http://schemas.microsoft.com/office/powerpoint/2010/main" val="1373732248"/>
+      </p:ext>
+    </p:extLst>
+  </p:cSld>
+  <p:clrMapOvr>
+    <a:masterClrMapping/>
+  </p:clrMapOvr>
+</p:notes>
+</file>
+
+<file path=ppt/notesSlides/notesSlide11.xml><?xml version="1.0" encoding="utf-8"?>
+<p:notes xmlns:a="http://schemas.openxmlformats.org/drawingml/2006/main" xmlns:r="http://schemas.openxmlformats.org/officeDocument/2006/relationships" xmlns:p="http://schemas.openxmlformats.org/presentationml/2006/main">
+  <p:cSld>
+    <p:spTree>
+      <p:nvGrpSpPr>
+        <p:cNvPr id="1" name=""/>
+        <p:cNvGrpSpPr/>
+        <p:nvPr/>
+      </p:nvGrpSpPr>
+      <p:grpSpPr>
+        <a:xfrm>
+          <a:off x="0" y="0"/>
+          <a:ext cx="0" cy="0"/>
+          <a:chOff x="0" y="0"/>
+          <a:chExt cx="0" cy="0"/>
+        </a:xfrm>
+      </p:grpSpPr>
+      <p:sp>
+        <p:nvSpPr>
+          <p:cNvPr id="2" name="Образ слайда 1"/>
+          <p:cNvSpPr>
+            <a:spLocks noGrp="1" noRot="1" noChangeAspect="1"/>
+          </p:cNvSpPr>
+          <p:nvPr>
+            <p:ph type="sldImg"/>
+          </p:nvPr>
+        </p:nvSpPr>
+        <p:spPr>
+          <a:xfrm>
+            <a:off x="381000" y="685800"/>
+            <a:ext cx="6096000" cy="3429000"/>
+          </a:xfrm>
+        </p:spPr>
+      </p:sp>
+      <p:sp>
+        <p:nvSpPr>
+          <p:cNvPr id="3" name="Заметки 2"/>
+          <p:cNvSpPr>
+            <a:spLocks noGrp="1"/>
+          </p:cNvSpPr>
+          <p:nvPr>
+            <p:ph type="body" idx="1"/>
+          </p:nvPr>
+        </p:nvSpPr>
+        <p:spPr/>
+        <p:txBody>
+          <a:bodyPr/>
+          <a:lstStyle/>
+          <a:p>
+            <a:r>
+              <a:rPr lang="ru-RU" dirty="0" smtClean="0"/>
+              <a:t>Прибрать (убрать лишнее,</a:t>
+            </a:r>
+            <a:r>
+              <a:rPr lang="ru-RU" baseline="0" dirty="0" smtClean="0"/>
+              <a:t> сделать больше</a:t>
+            </a:r>
+            <a:r>
+              <a:rPr lang="ru-RU" dirty="0" smtClean="0"/>
+              <a:t>), </a:t>
+            </a:r>
+            <a:r>
+              <a:rPr lang="ru-RU" dirty="0" err="1" smtClean="0"/>
+              <a:t>скомпановать</a:t>
+            </a:r>
+            <a:endParaRPr lang="ru-RU" dirty="0" smtClean="0"/>
+          </a:p>
+          <a:p>
+            <a:r>
+              <a:rPr lang="en-US" dirty="0" smtClean="0"/>
+              <a:t>Actor</a:t>
+            </a:r>
+            <a:r>
+              <a:rPr lang="en-US" baseline="0" dirty="0" smtClean="0"/>
+              <a:t> &lt;-&gt; System. </a:t>
+            </a:r>
+            <a:r>
+              <a:rPr lang="ru-RU" baseline="0" dirty="0" smtClean="0"/>
+              <a:t>Спросить как сделать у группы</a:t>
+            </a:r>
+          </a:p>
+          <a:p>
+            <a:endParaRPr lang="ru-RU" dirty="0"/>
+          </a:p>
+        </p:txBody>
+      </p:sp>
+    </p:spTree>
+    <p:extLst>
+      <p:ext uri="{BB962C8B-B14F-4D97-AF65-F5344CB8AC3E}">
+        <p14:creationId xmlns:p14="http://schemas.microsoft.com/office/powerpoint/2010/main" val="2949869622"/>
+      </p:ext>
+    </p:extLst>
+  </p:cSld>
+  <p:clrMapOvr>
+    <a:masterClrMapping/>
+  </p:clrMapOvr>
+</p:notes>
+</file>
+
+<file path=ppt/notesSlides/notesSlide12.xml><?xml version="1.0" encoding="utf-8"?>
 <p:notes xmlns:a="http://schemas.openxmlformats.org/drawingml/2006/main" xmlns:r="http://schemas.openxmlformats.org/officeDocument/2006/relationships" xmlns:p="http://schemas.openxmlformats.org/presentationml/2006/main" showMasterSp="0" showMasterPhAnim="0">
   <p:cSld>
     <p:spTree>
@@ -934,7 +1128,7 @@
 </p:notes>
 </file>
 
-<file path=ppt/notesSlides/notesSlide11.xml><?xml version="1.0" encoding="utf-8"?>
+<file path=ppt/notesSlides/notesSlide13.xml><?xml version="1.0" encoding="utf-8"?>
 <p:notes xmlns:a="http://schemas.openxmlformats.org/drawingml/2006/main" xmlns:r="http://schemas.openxmlformats.org/officeDocument/2006/relationships" xmlns:p="http://schemas.openxmlformats.org/presentationml/2006/main" showMasterSp="0" showMasterPhAnim="0">
   <p:cSld>
     <p:spTree>
@@ -1034,6 +1228,169 @@
     <p:extLst>
       <p:ext uri="{BB962C8B-B14F-4D97-AF65-F5344CB8AC3E}">
         <p14:creationId xmlns:p14="http://schemas.microsoft.com/office/powerpoint/2010/main" val="3609259411"/>
+      </p:ext>
+    </p:extLst>
+  </p:cSld>
+  <p:clrMapOvr>
+    <a:masterClrMapping/>
+  </p:clrMapOvr>
+</p:notes>
+</file>
+
+<file path=ppt/notesSlides/notesSlide14.xml><?xml version="1.0" encoding="utf-8"?>
+<p:notes xmlns:a="http://schemas.openxmlformats.org/drawingml/2006/main" xmlns:r="http://schemas.openxmlformats.org/officeDocument/2006/relationships" xmlns:p="http://schemas.openxmlformats.org/presentationml/2006/main">
+  <p:cSld>
+    <p:spTree>
+      <p:nvGrpSpPr>
+        <p:cNvPr id="1" name=""/>
+        <p:cNvGrpSpPr/>
+        <p:nvPr/>
+      </p:nvGrpSpPr>
+      <p:grpSpPr>
+        <a:xfrm>
+          <a:off x="0" y="0"/>
+          <a:ext cx="0" cy="0"/>
+          <a:chOff x="0" y="0"/>
+          <a:chExt cx="0" cy="0"/>
+        </a:xfrm>
+      </p:grpSpPr>
+      <p:sp>
+        <p:nvSpPr>
+          <p:cNvPr id="2" name="Образ слайда 1"/>
+          <p:cNvSpPr>
+            <a:spLocks noGrp="1" noRot="1" noChangeAspect="1"/>
+          </p:cNvSpPr>
+          <p:nvPr>
+            <p:ph type="sldImg"/>
+          </p:nvPr>
+        </p:nvSpPr>
+        <p:spPr/>
+      </p:sp>
+      <p:sp>
+        <p:nvSpPr>
+          <p:cNvPr id="3" name="Заметки 2"/>
+          <p:cNvSpPr>
+            <a:spLocks noGrp="1"/>
+          </p:cNvSpPr>
+          <p:nvPr>
+            <p:ph type="body" idx="1"/>
+          </p:nvPr>
+        </p:nvSpPr>
+        <p:spPr/>
+        <p:txBody>
+          <a:bodyPr/>
+          <a:lstStyle/>
+          <a:p>
+            <a:pPr marL="158750" indent="0">
+              <a:buNone/>
+            </a:pPr>
+            <a:r>
+              <a:rPr lang="ru-RU" dirty="0" smtClean="0"/>
+              <a:t>Диаграммы</a:t>
+            </a:r>
+            <a:r>
+              <a:rPr lang="ru-RU" baseline="0" dirty="0" smtClean="0"/>
+              <a:t> до спасибо за внимания. </a:t>
+            </a:r>
+            <a:br>
+              <a:rPr lang="ru-RU" baseline="0" dirty="0" smtClean="0"/>
+            </a:br>
+            <a:r>
+              <a:rPr lang="ru-RU" baseline="0" dirty="0" smtClean="0"/>
+              <a:t>1 – системы</a:t>
+            </a:r>
+          </a:p>
+          <a:p>
+            <a:pPr marL="158750" indent="0">
+              <a:buNone/>
+            </a:pPr>
+            <a:r>
+              <a:rPr lang="ru-RU" baseline="0" dirty="0" smtClean="0"/>
+              <a:t>2 – алгоритма</a:t>
+            </a:r>
+          </a:p>
+          <a:p>
+            <a:pPr marL="158750" indent="0">
+              <a:buNone/>
+            </a:pPr>
+            <a:r>
+              <a:rPr lang="ru-RU" baseline="0" dirty="0" smtClean="0"/>
+              <a:t>3 – компонентов </a:t>
+            </a:r>
+            <a:endParaRPr lang="ru-RU" dirty="0"/>
+          </a:p>
+        </p:txBody>
+      </p:sp>
+    </p:spTree>
+    <p:extLst>
+      <p:ext uri="{BB962C8B-B14F-4D97-AF65-F5344CB8AC3E}">
+        <p14:creationId xmlns:p14="http://schemas.microsoft.com/office/powerpoint/2010/main" val="883600695"/>
+      </p:ext>
+    </p:extLst>
+  </p:cSld>
+  <p:clrMapOvr>
+    <a:masterClrMapping/>
+  </p:clrMapOvr>
+</p:notes>
+</file>
+
+<file path=ppt/notesSlides/notesSlide15.xml><?xml version="1.0" encoding="utf-8"?>
+<p:notes xmlns:a="http://schemas.openxmlformats.org/drawingml/2006/main" xmlns:r="http://schemas.openxmlformats.org/officeDocument/2006/relationships" xmlns:p="http://schemas.openxmlformats.org/presentationml/2006/main">
+  <p:cSld>
+    <p:spTree>
+      <p:nvGrpSpPr>
+        <p:cNvPr id="1" name=""/>
+        <p:cNvGrpSpPr/>
+        <p:nvPr/>
+      </p:nvGrpSpPr>
+      <p:grpSpPr>
+        <a:xfrm>
+          <a:off x="0" y="0"/>
+          <a:ext cx="0" cy="0"/>
+          <a:chOff x="0" y="0"/>
+          <a:chExt cx="0" cy="0"/>
+        </a:xfrm>
+      </p:grpSpPr>
+      <p:sp>
+        <p:nvSpPr>
+          <p:cNvPr id="2" name="Образ слайда 1"/>
+          <p:cNvSpPr>
+            <a:spLocks noGrp="1" noRot="1" noChangeAspect="1"/>
+          </p:cNvSpPr>
+          <p:nvPr>
+            <p:ph type="sldImg"/>
+          </p:nvPr>
+        </p:nvSpPr>
+        <p:spPr>
+          <a:xfrm>
+            <a:off x="381000" y="685800"/>
+            <a:ext cx="6096000" cy="3429000"/>
+          </a:xfrm>
+        </p:spPr>
+      </p:sp>
+      <p:sp>
+        <p:nvSpPr>
+          <p:cNvPr id="3" name="Заметки 2"/>
+          <p:cNvSpPr>
+            <a:spLocks noGrp="1"/>
+          </p:cNvSpPr>
+          <p:nvPr>
+            <p:ph type="body" idx="1"/>
+          </p:nvPr>
+        </p:nvSpPr>
+        <p:spPr/>
+        <p:txBody>
+          <a:bodyPr/>
+          <a:lstStyle/>
+          <a:p>
+            <a:endParaRPr lang="ru-RU" dirty="0"/>
+          </a:p>
+        </p:txBody>
+      </p:sp>
+    </p:spTree>
+    <p:extLst>
+      <p:ext uri="{BB962C8B-B14F-4D97-AF65-F5344CB8AC3E}">
+        <p14:creationId xmlns:p14="http://schemas.microsoft.com/office/powerpoint/2010/main" val="1228517935"/>
       </p:ext>
     </p:extLst>
   </p:cSld>
@@ -1135,7 +1492,7 @@
               </a:spcAft>
               <a:buNone/>
             </a:pPr>
-            <a:endParaRPr/>
+            <a:endParaRPr dirty="0"/>
           </a:p>
         </p:txBody>
       </p:sp>
@@ -1244,7 +1601,63 @@
               </a:spcAft>
               <a:buNone/>
             </a:pPr>
-            <a:endParaRPr/>
+            <a:r>
+              <a:rPr lang="ru-RU" dirty="0" smtClean="0"/>
+              <a:t>Приводим к тому что мы</a:t>
+            </a:r>
+            <a:r>
+              <a:rPr lang="ru-RU" baseline="0" dirty="0" smtClean="0"/>
+              <a:t> выбираем </a:t>
+            </a:r>
+            <a:r>
+              <a:rPr lang="ru-RU" baseline="0" dirty="0" err="1" smtClean="0"/>
+              <a:t>оналайн</a:t>
+            </a:r>
+            <a:r>
+              <a:rPr lang="ru-RU" baseline="0" dirty="0" smtClean="0"/>
+              <a:t> источник и </a:t>
+            </a:r>
+            <a:r>
+              <a:rPr lang="ru-RU" baseline="0" dirty="0" err="1" smtClean="0"/>
+              <a:t>парсинг</a:t>
+            </a:r>
+            <a:r>
+              <a:rPr lang="ru-RU" baseline="0" dirty="0" smtClean="0"/>
+              <a:t>.</a:t>
+            </a:r>
+            <a:endParaRPr lang="en-US" baseline="0" dirty="0" smtClean="0"/>
+          </a:p>
+          <a:p>
+            <a:pPr marL="0" lvl="0" indent="0" algn="l" rtl="0">
+              <a:spcBef>
+                <a:spcPts val="0"/>
+              </a:spcBef>
+              <a:spcAft>
+                <a:spcPts val="0"/>
+              </a:spcAft>
+              <a:buNone/>
+            </a:pPr>
+            <a:endParaRPr lang="en-US" baseline="0" dirty="0" smtClean="0"/>
+          </a:p>
+          <a:p>
+            <a:pPr marL="0" lvl="0" indent="0" algn="l" rtl="0">
+              <a:spcBef>
+                <a:spcPts val="0"/>
+              </a:spcBef>
+              <a:spcAft>
+                <a:spcPts val="0"/>
+              </a:spcAft>
+              <a:buNone/>
+            </a:pPr>
+            <a:r>
+              <a:rPr lang="ru-RU" baseline="0" dirty="0" err="1" smtClean="0"/>
+              <a:t>Переназвать</a:t>
+            </a:r>
+            <a:r>
+              <a:rPr lang="ru-RU" baseline="0" dirty="0" smtClean="0"/>
+              <a:t> слайд</a:t>
+            </a:r>
+            <a:endParaRPr dirty="0"/>
           </a:p>
         </p:txBody>
       </p:sp>
@@ -1353,7 +1766,19 @@
               </a:spcAft>
               <a:buNone/>
             </a:pPr>
-            <a:endParaRPr/>
+            <a:r>
+              <a:rPr lang="ru-RU" smtClean="0"/>
+              <a:t>Коменты </a:t>
+            </a:r>
+            <a:r>
+              <a:rPr lang="ru-RU" dirty="0" smtClean="0"/>
+              <a:t>на</a:t>
+            </a:r>
+            <a:r>
+              <a:rPr lang="ru-RU" baseline="0" dirty="0" smtClean="0"/>
+              <a:t> предзащите</a:t>
+            </a:r>
+            <a:endParaRPr dirty="0"/>
           </a:p>
         </p:txBody>
       </p:sp>
@@ -1571,7 +1996,15 @@
               </a:spcAft>
               <a:buNone/>
             </a:pPr>
-            <a:endParaRPr/>
+            <a:r>
+              <a:rPr lang="ru-RU" dirty="0" smtClean="0"/>
+              <a:t>Относится</a:t>
+            </a:r>
+            <a:r>
+              <a:rPr lang="ru-RU" baseline="0" dirty="0" smtClean="0"/>
+              <a:t> к 3</a:t>
+            </a:r>
+            <a:endParaRPr dirty="0"/>
           </a:p>
         </p:txBody>
       </p:sp>
@@ -1680,7 +2113,15 @@
               </a:spcAft>
               <a:buNone/>
             </a:pPr>
-            <a:endParaRPr/>
+            <a:r>
+              <a:rPr lang="ru-RU" dirty="0" smtClean="0"/>
+              <a:t>Предлагаемое</a:t>
+            </a:r>
+            <a:r>
+              <a:rPr lang="ru-RU" baseline="0" dirty="0" smtClean="0"/>
+              <a:t> решение – что делать будем </a:t>
+            </a:r>
+            <a:endParaRPr dirty="0"/>
           </a:p>
         </p:txBody>
       </p:sp>
@@ -1698,115 +2139,6 @@
 </file>
 
 <file path=ppt/notesSlides/notesSlide8.xml><?xml version="1.0" encoding="utf-8"?>
-<p:notes xmlns:a="http://schemas.openxmlformats.org/drawingml/2006/main" xmlns:r="http://schemas.openxmlformats.org/officeDocument/2006/relationships" xmlns:p="http://schemas.openxmlformats.org/presentationml/2006/main" showMasterSp="0" showMasterPhAnim="0">
-  <p:cSld>
-    <p:spTree>
-      <p:nvGrpSpPr>
-        <p:cNvPr id="1" name="Shape 139"/>
-        <p:cNvGrpSpPr/>
-        <p:nvPr/>
-      </p:nvGrpSpPr>
-      <p:grpSpPr>
-        <a:xfrm>
-          <a:off x="0" y="0"/>
-          <a:ext cx="0" cy="0"/>
-          <a:chOff x="0" y="0"/>
-          <a:chExt cx="0" cy="0"/>
-        </a:xfrm>
-      </p:grpSpPr>
-      <p:sp>
-        <p:nvSpPr>
-          <p:cNvPr id="140" name="Google Shape;140;g2ded66d1e94_0_40:notes"/>
-          <p:cNvSpPr>
-            <a:spLocks noGrp="1" noRot="1" noChangeAspect="1"/>
-          </p:cNvSpPr>
-          <p:nvPr>
-            <p:ph type="sldImg" idx="2"/>
-          </p:nvPr>
-        </p:nvSpPr>
-        <p:spPr>
-          <a:xfrm>
-            <a:off x="381000" y="685800"/>
-            <a:ext cx="6096000" cy="3429000"/>
-          </a:xfrm>
-          <a:custGeom>
-            <a:avLst/>
-            <a:gdLst/>
-            <a:ahLst/>
-            <a:cxnLst/>
-            <a:rect l="l" t="t" r="r" b="b"/>
-            <a:pathLst>
-              <a:path w="120000" h="120000" extrusionOk="0">
-                <a:moveTo>
-                  <a:pt x="0" y="0"/>
-                </a:moveTo>
-                <a:lnTo>
-                  <a:pt x="120000" y="0"/>
-                </a:lnTo>
-                <a:lnTo>
-                  <a:pt x="120000" y="120000"/>
-                </a:lnTo>
-                <a:lnTo>
-                  <a:pt x="0" y="120000"/>
-                </a:lnTo>
-                <a:close/>
-              </a:path>
-            </a:pathLst>
-          </a:custGeom>
-        </p:spPr>
-      </p:sp>
-      <p:sp>
-        <p:nvSpPr>
-          <p:cNvPr id="141" name="Google Shape;141;g2ded66d1e94_0_40:notes"/>
-          <p:cNvSpPr txBox="1">
-            <a:spLocks noGrp="1"/>
-          </p:cNvSpPr>
-          <p:nvPr>
-            <p:ph type="body" idx="1"/>
-          </p:nvPr>
-        </p:nvSpPr>
-        <p:spPr>
-          <a:xfrm>
-            <a:off x="685800" y="4343400"/>
-            <a:ext cx="5486400" cy="4114800"/>
-          </a:xfrm>
-          <a:prstGeom prst="rect">
-            <a:avLst/>
-          </a:prstGeom>
-        </p:spPr>
-        <p:txBody>
-          <a:bodyPr spcFirstLastPara="1" wrap="square" lIns="91425" tIns="91425" rIns="91425" bIns="91425" anchor="t" anchorCtr="0">
-            <a:noAutofit/>
-          </a:bodyPr>
-          <a:lstStyle/>
-          <a:p>
-            <a:pPr marL="0" lvl="0" indent="0" algn="l" rtl="0">
-              <a:spcBef>
-                <a:spcPts val="0"/>
-              </a:spcBef>
-              <a:spcAft>
-                <a:spcPts val="0"/>
-              </a:spcAft>
-              <a:buNone/>
-            </a:pPr>
-            <a:endParaRPr/>
-          </a:p>
-        </p:txBody>
-      </p:sp>
-    </p:spTree>
-    <p:extLst>
-      <p:ext uri="{BB962C8B-B14F-4D97-AF65-F5344CB8AC3E}">
-        <p14:creationId xmlns:p14="http://schemas.microsoft.com/office/powerpoint/2010/main" val="3552663707"/>
-      </p:ext>
-    </p:extLst>
-  </p:cSld>
-  <p:clrMapOvr>
-    <a:masterClrMapping/>
-  </p:clrMapOvr>
-</p:notes>
-</file>
-
-<file path=ppt/notesSlides/notesSlide9.xml><?xml version="1.0" encoding="utf-8"?>
 <p:notes xmlns:a="http://schemas.openxmlformats.org/drawingml/2006/main" xmlns:r="http://schemas.openxmlformats.org/officeDocument/2006/relationships" xmlns:p="http://schemas.openxmlformats.org/presentationml/2006/main" showMasterSp="0" showMasterPhAnim="0">
   <p:cSld>
     <p:spTree>
@@ -1898,7 +2230,15 @@
               </a:spcAft>
               <a:buNone/>
             </a:pPr>
-            <a:endParaRPr/>
+            <a:r>
+              <a:rPr lang="ru-RU" dirty="0" smtClean="0"/>
+              <a:t>Объединить</a:t>
+            </a:r>
+            <a:r>
+              <a:rPr lang="ru-RU" baseline="0" dirty="0" smtClean="0"/>
+              <a:t> с 5слайдом</a:t>
+            </a:r>
+            <a:endParaRPr dirty="0"/>
           </a:p>
         </p:txBody>
       </p:sp>
@@ -1906,6 +2246,86 @@
     <p:extLst>
       <p:ext uri="{BB962C8B-B14F-4D97-AF65-F5344CB8AC3E}">
         <p14:creationId xmlns:p14="http://schemas.microsoft.com/office/powerpoint/2010/main" val="871858627"/>
+      </p:ext>
+    </p:extLst>
+  </p:cSld>
+  <p:clrMapOvr>
+    <a:masterClrMapping/>
+  </p:clrMapOvr>
+</p:notes>
+</file>
+
+<file path=ppt/notesSlides/notesSlide9.xml><?xml version="1.0" encoding="utf-8"?>
+<p:notes xmlns:a="http://schemas.openxmlformats.org/drawingml/2006/main" xmlns:r="http://schemas.openxmlformats.org/officeDocument/2006/relationships" xmlns:p="http://schemas.openxmlformats.org/presentationml/2006/main">
+  <p:cSld>
+    <p:spTree>
+      <p:nvGrpSpPr>
+        <p:cNvPr id="1" name=""/>
+        <p:cNvGrpSpPr/>
+        <p:nvPr/>
+      </p:nvGrpSpPr>
+      <p:grpSpPr>
+        <a:xfrm>
+          <a:off x="0" y="0"/>
+          <a:ext cx="0" cy="0"/>
+          <a:chOff x="0" y="0"/>
+          <a:chExt cx="0" cy="0"/>
+        </a:xfrm>
+      </p:grpSpPr>
+      <p:sp>
+        <p:nvSpPr>
+          <p:cNvPr id="2" name="Образ слайда 1"/>
+          <p:cNvSpPr>
+            <a:spLocks noGrp="1" noRot="1" noChangeAspect="1"/>
+          </p:cNvSpPr>
+          <p:nvPr>
+            <p:ph type="sldImg"/>
+          </p:nvPr>
+        </p:nvSpPr>
+        <p:spPr/>
+      </p:sp>
+      <p:sp>
+        <p:nvSpPr>
+          <p:cNvPr id="3" name="Заметки 2"/>
+          <p:cNvSpPr>
+            <a:spLocks noGrp="1"/>
+          </p:cNvSpPr>
+          <p:nvPr>
+            <p:ph type="body" idx="1"/>
+          </p:nvPr>
+        </p:nvSpPr>
+        <p:spPr/>
+        <p:txBody>
+          <a:bodyPr/>
+          <a:lstStyle/>
+          <a:p>
+            <a:pPr marL="158750" indent="0">
+              <a:buNone/>
+            </a:pPr>
+            <a:r>
+              <a:rPr lang="ru-RU" dirty="0" smtClean="0"/>
+              <a:t>Сбор</a:t>
+            </a:r>
+            <a:r>
+              <a:rPr lang="ru-RU" baseline="0" dirty="0" smtClean="0"/>
+              <a:t> </a:t>
+            </a:r>
+            <a:r>
+              <a:rPr lang="ru-RU" baseline="0" dirty="0" err="1" smtClean="0"/>
+              <a:t>недвижки</a:t>
+            </a:r>
+            <a:r>
+              <a:rPr lang="ru-RU" baseline="0" dirty="0" smtClean="0"/>
+              <a:t> в цикле</a:t>
+            </a:r>
+            <a:endParaRPr lang="ru-RU" dirty="0"/>
+          </a:p>
+        </p:txBody>
+      </p:sp>
+    </p:spTree>
+    <p:extLst>
+      <p:ext uri="{BB962C8B-B14F-4D97-AF65-F5344CB8AC3E}">
+        <p14:creationId xmlns:p14="http://schemas.microsoft.com/office/powerpoint/2010/main" val="838336173"/>
       </p:ext>
     </p:extLst>
   </p:cSld>
@@ -6820,20 +7240,8 @@
               <a:buSzPct val="30555"/>
             </a:pPr>
             <a:r>
-              <a:rPr lang="ru-RU" sz="3200" dirty="0" smtClean="0"/>
-              <a:t>С</a:t>
-            </a:r>
-            <a:r>
               <a:rPr lang="ru-RU" sz="3200" b="1" dirty="0" smtClean="0"/>
-              <a:t>овершенствование </a:t>
-            </a:r>
-            <a:r>
-              <a:rPr lang="ru-RU" sz="3200" b="1" dirty="0" smtClean="0"/>
-              <a:t>программного сервиса </a:t>
-            </a:r>
-            <a:r>
-              <a:rPr lang="ru-RU" sz="3200" b="1" dirty="0" smtClean="0"/>
-              <a:t>для автоматизированного сбора информации о турецкой недвижимости</a:t>
+              <a:t>Совершенствование программного сервиса для автоматизированного сбора информации о турецкой недвижимости</a:t>
             </a:r>
             <a:endParaRPr sz="1800" b="1" dirty="0">
               <a:latin typeface="Times New Roman"/>
@@ -7039,10 +7447,1166 @@
   <p:clrMapOvr>
     <a:masterClrMapping/>
   </p:clrMapOvr>
+  <p:timing>
+    <p:tnLst>
+      <p:par>
+        <p:cTn id="1" dur="indefinite" restart="never" nodeType="tmRoot"/>
+      </p:par>
+    </p:tnLst>
+  </p:timing>
 </p:sld>
 </file>
 
 <file path=ppt/slides/slide10.xml><?xml version="1.0" encoding="utf-8"?>
+<p:sld xmlns:a="http://schemas.openxmlformats.org/drawingml/2006/main" xmlns:r="http://schemas.openxmlformats.org/officeDocument/2006/relationships" xmlns:p="http://schemas.openxmlformats.org/presentationml/2006/main">
+  <p:cSld>
+    <p:spTree>
+      <p:nvGrpSpPr>
+        <p:cNvPr id="1" name=""/>
+        <p:cNvGrpSpPr/>
+        <p:nvPr/>
+      </p:nvGrpSpPr>
+      <p:grpSpPr>
+        <a:xfrm>
+          <a:off x="0" y="0"/>
+          <a:ext cx="0" cy="0"/>
+          <a:chOff x="0" y="0"/>
+          <a:chExt cx="0" cy="0"/>
+        </a:xfrm>
+      </p:grpSpPr>
+      <p:sp>
+        <p:nvSpPr>
+          <p:cNvPr id="4" name="Номер слайда 3"/>
+          <p:cNvSpPr>
+            <a:spLocks noGrp="1"/>
+          </p:cNvSpPr>
+          <p:nvPr>
+            <p:ph type="sldNum" idx="12"/>
+          </p:nvPr>
+        </p:nvSpPr>
+        <p:spPr/>
+        <p:txBody>
+          <a:bodyPr/>
+          <a:lstStyle/>
+          <a:p>
+            <a:pPr marL="0" lvl="0" indent="0" algn="r" rtl="0">
+              <a:spcBef>
+                <a:spcPts val="0"/>
+              </a:spcBef>
+              <a:spcAft>
+                <a:spcPts val="0"/>
+              </a:spcAft>
+              <a:buNone/>
+            </a:pPr>
+            <a:fld id="{00000000-1234-1234-1234-123412341234}" type="slidenum">
+              <a:rPr lang="ru" smtClean="0"/>
+              <a:t>10</a:t>
+            </a:fld>
+            <a:endParaRPr lang="ru"/>
+          </a:p>
+        </p:txBody>
+      </p:sp>
+      <p:pic>
+        <p:nvPicPr>
+          <p:cNvPr id="5" name="Рисунок 4"/>
+          <p:cNvPicPr>
+            <a:picLocks noChangeAspect="1"/>
+          </p:cNvPicPr>
+          <p:nvPr/>
+        </p:nvPicPr>
+        <p:blipFill rotWithShape="1">
+          <a:blip r:embed="rId3"/>
+          <a:srcRect r="2205" b="5673"/>
+          <a:stretch/>
+        </p:blipFill>
+        <p:spPr>
+          <a:xfrm>
+            <a:off x="3630099" y="1268484"/>
+            <a:ext cx="5091290" cy="3793961"/>
+          </a:xfrm>
+          <a:prstGeom prst="rect">
+            <a:avLst/>
+          </a:prstGeom>
+        </p:spPr>
+      </p:pic>
+      <p:sp>
+        <p:nvSpPr>
+          <p:cNvPr id="7" name="Google Shape;74;p16"/>
+          <p:cNvSpPr txBox="1">
+            <a:spLocks/>
+          </p:cNvSpPr>
+          <p:nvPr/>
+        </p:nvSpPr>
+        <p:spPr>
+          <a:xfrm>
+            <a:off x="297948" y="-186529"/>
+            <a:ext cx="8520600" cy="1170075"/>
+          </a:xfrm>
+          <a:prstGeom prst="rect">
+            <a:avLst/>
+          </a:prstGeom>
+          <a:noFill/>
+          <a:ln>
+            <a:noFill/>
+          </a:ln>
+        </p:spPr>
+        <p:txBody>
+          <a:bodyPr spcFirstLastPara="1" wrap="square" lIns="91425" tIns="91425" rIns="91425" bIns="91425" anchor="t" anchorCtr="0">
+            <a:noAutofit/>
+          </a:bodyPr>
+          <a:lstStyle>
+            <a:defPPr marR="0" lvl="0" algn="l" rtl="0">
+              <a:lnSpc>
+                <a:spcPct val="100000"/>
+              </a:lnSpc>
+              <a:spcBef>
+                <a:spcPts val="0"/>
+              </a:spcBef>
+              <a:spcAft>
+                <a:spcPts val="0"/>
+              </a:spcAft>
+            </a:defPPr>
+            <a:lvl1pPr marR="0" lvl="0" algn="l" rtl="0">
+              <a:lnSpc>
+                <a:spcPct val="100000"/>
+              </a:lnSpc>
+              <a:spcBef>
+                <a:spcPts val="0"/>
+              </a:spcBef>
+              <a:spcAft>
+                <a:spcPts val="0"/>
+              </a:spcAft>
+              <a:buClr>
+                <a:schemeClr val="dk1"/>
+              </a:buClr>
+              <a:buSzPts val="2800"/>
+              <a:buFont typeface="Arial"/>
+              <a:buNone/>
+              <a:defRPr sz="2800" b="0" i="0" u="none" strike="noStrike" cap="none">
+                <a:solidFill>
+                  <a:schemeClr val="dk1"/>
+                </a:solidFill>
+                <a:latin typeface="Arial"/>
+                <a:ea typeface="Arial"/>
+                <a:cs typeface="Arial"/>
+                <a:sym typeface="Arial"/>
+              </a:defRPr>
+            </a:lvl1pPr>
+            <a:lvl2pPr marR="0" lvl="1" algn="l" rtl="0">
+              <a:lnSpc>
+                <a:spcPct val="100000"/>
+              </a:lnSpc>
+              <a:spcBef>
+                <a:spcPts val="0"/>
+              </a:spcBef>
+              <a:spcAft>
+                <a:spcPts val="0"/>
+              </a:spcAft>
+              <a:buClr>
+                <a:schemeClr val="dk1"/>
+              </a:buClr>
+              <a:buSzPts val="2800"/>
+              <a:buFont typeface="Arial"/>
+              <a:buNone/>
+              <a:defRPr sz="2800" b="0" i="0" u="none" strike="noStrike" cap="none">
+                <a:solidFill>
+                  <a:schemeClr val="dk1"/>
+                </a:solidFill>
+                <a:latin typeface="Arial"/>
+                <a:ea typeface="Arial"/>
+                <a:cs typeface="Arial"/>
+                <a:sym typeface="Arial"/>
+              </a:defRPr>
+            </a:lvl2pPr>
+            <a:lvl3pPr marR="0" lvl="2" algn="l" rtl="0">
+              <a:lnSpc>
+                <a:spcPct val="100000"/>
+              </a:lnSpc>
+              <a:spcBef>
+                <a:spcPts val="0"/>
+              </a:spcBef>
+              <a:spcAft>
+                <a:spcPts val="0"/>
+              </a:spcAft>
+              <a:buClr>
+                <a:schemeClr val="dk1"/>
+              </a:buClr>
+              <a:buSzPts val="2800"/>
+              <a:buFont typeface="Arial"/>
+              <a:buNone/>
+              <a:defRPr sz="2800" b="0" i="0" u="none" strike="noStrike" cap="none">
+                <a:solidFill>
+                  <a:schemeClr val="dk1"/>
+                </a:solidFill>
+                <a:latin typeface="Arial"/>
+                <a:ea typeface="Arial"/>
+                <a:cs typeface="Arial"/>
+                <a:sym typeface="Arial"/>
+              </a:defRPr>
+            </a:lvl3pPr>
+            <a:lvl4pPr marR="0" lvl="3" algn="l" rtl="0">
+              <a:lnSpc>
+                <a:spcPct val="100000"/>
+              </a:lnSpc>
+              <a:spcBef>
+                <a:spcPts val="0"/>
+              </a:spcBef>
+              <a:spcAft>
+                <a:spcPts val="0"/>
+              </a:spcAft>
+              <a:buClr>
+                <a:schemeClr val="dk1"/>
+              </a:buClr>
+              <a:buSzPts val="2800"/>
+              <a:buFont typeface="Arial"/>
+              <a:buNone/>
+              <a:defRPr sz="2800" b="0" i="0" u="none" strike="noStrike" cap="none">
+                <a:solidFill>
+                  <a:schemeClr val="dk1"/>
+                </a:solidFill>
+                <a:latin typeface="Arial"/>
+                <a:ea typeface="Arial"/>
+                <a:cs typeface="Arial"/>
+                <a:sym typeface="Arial"/>
+              </a:defRPr>
+            </a:lvl4pPr>
+            <a:lvl5pPr marR="0" lvl="4" algn="l" rtl="0">
+              <a:lnSpc>
+                <a:spcPct val="100000"/>
+              </a:lnSpc>
+              <a:spcBef>
+                <a:spcPts val="0"/>
+              </a:spcBef>
+              <a:spcAft>
+                <a:spcPts val="0"/>
+              </a:spcAft>
+              <a:buClr>
+                <a:schemeClr val="dk1"/>
+              </a:buClr>
+              <a:buSzPts val="2800"/>
+              <a:buFont typeface="Arial"/>
+              <a:buNone/>
+              <a:defRPr sz="2800" b="0" i="0" u="none" strike="noStrike" cap="none">
+                <a:solidFill>
+                  <a:schemeClr val="dk1"/>
+                </a:solidFill>
+                <a:latin typeface="Arial"/>
+                <a:ea typeface="Arial"/>
+                <a:cs typeface="Arial"/>
+                <a:sym typeface="Arial"/>
+              </a:defRPr>
+            </a:lvl5pPr>
+            <a:lvl6pPr marR="0" lvl="5" algn="l" rtl="0">
+              <a:lnSpc>
+                <a:spcPct val="100000"/>
+              </a:lnSpc>
+              <a:spcBef>
+                <a:spcPts val="0"/>
+              </a:spcBef>
+              <a:spcAft>
+                <a:spcPts val="0"/>
+              </a:spcAft>
+              <a:buClr>
+                <a:schemeClr val="dk1"/>
+              </a:buClr>
+              <a:buSzPts val="2800"/>
+              <a:buFont typeface="Arial"/>
+              <a:buNone/>
+              <a:defRPr sz="2800" b="0" i="0" u="none" strike="noStrike" cap="none">
+                <a:solidFill>
+                  <a:schemeClr val="dk1"/>
+                </a:solidFill>
+                <a:latin typeface="Arial"/>
+                <a:ea typeface="Arial"/>
+                <a:cs typeface="Arial"/>
+                <a:sym typeface="Arial"/>
+              </a:defRPr>
+            </a:lvl6pPr>
+            <a:lvl7pPr marR="0" lvl="6" algn="l" rtl="0">
+              <a:lnSpc>
+                <a:spcPct val="100000"/>
+              </a:lnSpc>
+              <a:spcBef>
+                <a:spcPts val="0"/>
+              </a:spcBef>
+              <a:spcAft>
+                <a:spcPts val="0"/>
+              </a:spcAft>
+              <a:buClr>
+                <a:schemeClr val="dk1"/>
+              </a:buClr>
+              <a:buSzPts val="2800"/>
+              <a:buFont typeface="Arial"/>
+              <a:buNone/>
+              <a:defRPr sz="2800" b="0" i="0" u="none" strike="noStrike" cap="none">
+                <a:solidFill>
+                  <a:schemeClr val="dk1"/>
+                </a:solidFill>
+                <a:latin typeface="Arial"/>
+                <a:ea typeface="Arial"/>
+                <a:cs typeface="Arial"/>
+                <a:sym typeface="Arial"/>
+              </a:defRPr>
+            </a:lvl7pPr>
+            <a:lvl8pPr marR="0" lvl="7" algn="l" rtl="0">
+              <a:lnSpc>
+                <a:spcPct val="100000"/>
+              </a:lnSpc>
+              <a:spcBef>
+                <a:spcPts val="0"/>
+              </a:spcBef>
+              <a:spcAft>
+                <a:spcPts val="0"/>
+              </a:spcAft>
+              <a:buClr>
+                <a:schemeClr val="dk1"/>
+              </a:buClr>
+              <a:buSzPts val="2800"/>
+              <a:buFont typeface="Arial"/>
+              <a:buNone/>
+              <a:defRPr sz="2800" b="0" i="0" u="none" strike="noStrike" cap="none">
+                <a:solidFill>
+                  <a:schemeClr val="dk1"/>
+                </a:solidFill>
+                <a:latin typeface="Arial"/>
+                <a:ea typeface="Arial"/>
+                <a:cs typeface="Arial"/>
+                <a:sym typeface="Arial"/>
+              </a:defRPr>
+            </a:lvl8pPr>
+            <a:lvl9pPr marR="0" lvl="8" algn="l" rtl="0">
+              <a:lnSpc>
+                <a:spcPct val="100000"/>
+              </a:lnSpc>
+              <a:spcBef>
+                <a:spcPts val="0"/>
+              </a:spcBef>
+              <a:spcAft>
+                <a:spcPts val="0"/>
+              </a:spcAft>
+              <a:buClr>
+                <a:schemeClr val="dk1"/>
+              </a:buClr>
+              <a:buSzPts val="2800"/>
+              <a:buFont typeface="Arial"/>
+              <a:buNone/>
+              <a:defRPr sz="2800" b="0" i="0" u="none" strike="noStrike" cap="none">
+                <a:solidFill>
+                  <a:schemeClr val="dk1"/>
+                </a:solidFill>
+                <a:latin typeface="Arial"/>
+                <a:ea typeface="Arial"/>
+                <a:cs typeface="Arial"/>
+                <a:sym typeface="Arial"/>
+              </a:defRPr>
+            </a:lvl9pPr>
+          </a:lstStyle>
+          <a:p>
+            <a:pPr algn="ctr">
+              <a:buSzPts val="990"/>
+            </a:pPr>
+            <a:r>
+              <a:rPr lang="ru-RU" sz="3220" b="1" dirty="0">
+                <a:latin typeface="Times New Roman" panose="02020603050405020304" pitchFamily="18" charset="0"/>
+                <a:cs typeface="Times New Roman" panose="02020603050405020304" pitchFamily="18" charset="0"/>
+              </a:rPr>
+              <a:t>Внешний вид объявления с объектом недвижимости на сайте источнике</a:t>
+            </a:r>
+            <a:endParaRPr lang="ru-RU" sz="3220" b="1" dirty="0">
+              <a:latin typeface="Times New Roman" panose="02020603050405020304" pitchFamily="18" charset="0"/>
+              <a:ea typeface="Times New Roman"/>
+              <a:cs typeface="Times New Roman" panose="02020603050405020304" pitchFamily="18" charset="0"/>
+              <a:sym typeface="Times New Roman"/>
+            </a:endParaRPr>
+          </a:p>
+        </p:txBody>
+      </p:sp>
+      <p:pic>
+        <p:nvPicPr>
+          <p:cNvPr id="10" name="Рисунок 9"/>
+          <p:cNvPicPr>
+            <a:picLocks noChangeAspect="1"/>
+          </p:cNvPicPr>
+          <p:nvPr/>
+        </p:nvPicPr>
+        <p:blipFill>
+          <a:blip r:embed="rId4"/>
+          <a:stretch>
+            <a:fillRect/>
+          </a:stretch>
+        </p:blipFill>
+        <p:spPr>
+          <a:xfrm>
+            <a:off x="43669" y="1245871"/>
+            <a:ext cx="3238036" cy="2250893"/>
+          </a:xfrm>
+          <a:prstGeom prst="rect">
+            <a:avLst/>
+          </a:prstGeom>
+        </p:spPr>
+      </p:pic>
+      <p:pic>
+        <p:nvPicPr>
+          <p:cNvPr id="14" name="Рисунок 13"/>
+          <p:cNvPicPr>
+            <a:picLocks noChangeAspect="1"/>
+          </p:cNvPicPr>
+          <p:nvPr/>
+        </p:nvPicPr>
+        <p:blipFill>
+          <a:blip r:embed="rId5"/>
+          <a:stretch>
+            <a:fillRect/>
+          </a:stretch>
+        </p:blipFill>
+        <p:spPr>
+          <a:xfrm>
+            <a:off x="4267809" y="842003"/>
+            <a:ext cx="4659177" cy="400106"/>
+          </a:xfrm>
+          <a:prstGeom prst="rect">
+            <a:avLst/>
+          </a:prstGeom>
+        </p:spPr>
+      </p:pic>
+      <p:pic>
+        <p:nvPicPr>
+          <p:cNvPr id="15" name="Рисунок 14"/>
+          <p:cNvPicPr>
+            <a:picLocks noChangeAspect="1"/>
+          </p:cNvPicPr>
+          <p:nvPr/>
+        </p:nvPicPr>
+        <p:blipFill rotWithShape="1">
+          <a:blip r:embed="rId6"/>
+          <a:srcRect t="27795" b="22600"/>
+          <a:stretch/>
+        </p:blipFill>
+        <p:spPr>
+          <a:xfrm>
+            <a:off x="5453098" y="1197601"/>
+            <a:ext cx="3665310" cy="141767"/>
+          </a:xfrm>
+          <a:prstGeom prst="rect">
+            <a:avLst/>
+          </a:prstGeom>
+        </p:spPr>
+      </p:pic>
+      <p:sp>
+        <p:nvSpPr>
+          <p:cNvPr id="17" name="Стрелка вправо 16"/>
+          <p:cNvSpPr/>
+          <p:nvPr/>
+        </p:nvSpPr>
+        <p:spPr>
+          <a:xfrm rot="392090">
+            <a:off x="3106755" y="1305834"/>
+            <a:ext cx="435745" cy="65546"/>
+          </a:xfrm>
+          <a:prstGeom prst="rightArrow">
+            <a:avLst/>
+          </a:prstGeom>
+          <a:solidFill>
+            <a:schemeClr val="tx2">
+              <a:lumMod val="50000"/>
+            </a:schemeClr>
+          </a:solidFill>
+          <a:ln>
+            <a:solidFill>
+              <a:schemeClr val="tx2">
+                <a:lumMod val="50000"/>
+              </a:schemeClr>
+            </a:solidFill>
+          </a:ln>
+        </p:spPr>
+        <p:style>
+          <a:lnRef idx="2">
+            <a:schemeClr val="accent1">
+              <a:shade val="50000"/>
+            </a:schemeClr>
+          </a:lnRef>
+          <a:fillRef idx="1">
+            <a:schemeClr val="accent1"/>
+          </a:fillRef>
+          <a:effectRef idx="0">
+            <a:schemeClr val="accent1"/>
+          </a:effectRef>
+          <a:fontRef idx="minor">
+            <a:schemeClr val="lt1"/>
+          </a:fontRef>
+        </p:style>
+        <p:txBody>
+          <a:bodyPr rtlCol="0" anchor="ctr"/>
+          <a:lstStyle/>
+          <a:p>
+            <a:pPr algn="ctr"/>
+            <a:endParaRPr lang="ru-RU"/>
+          </a:p>
+        </p:txBody>
+      </p:sp>
+      <p:sp>
+        <p:nvSpPr>
+          <p:cNvPr id="19" name="Рамка 18"/>
+          <p:cNvSpPr/>
+          <p:nvPr/>
+        </p:nvSpPr>
+        <p:spPr>
+          <a:xfrm>
+            <a:off x="3685051" y="1566192"/>
+            <a:ext cx="2481321" cy="203116"/>
+          </a:xfrm>
+          <a:prstGeom prst="frame">
+            <a:avLst/>
+          </a:prstGeom>
+          <a:ln>
+            <a:solidFill>
+              <a:schemeClr val="tx2">
+                <a:lumMod val="50000"/>
+              </a:schemeClr>
+            </a:solidFill>
+          </a:ln>
+        </p:spPr>
+        <p:style>
+          <a:lnRef idx="2">
+            <a:schemeClr val="accent1">
+              <a:shade val="50000"/>
+            </a:schemeClr>
+          </a:lnRef>
+          <a:fillRef idx="1">
+            <a:schemeClr val="accent1"/>
+          </a:fillRef>
+          <a:effectRef idx="0">
+            <a:schemeClr val="accent1"/>
+          </a:effectRef>
+          <a:fontRef idx="minor">
+            <a:schemeClr val="lt1"/>
+          </a:fontRef>
+        </p:style>
+        <p:txBody>
+          <a:bodyPr rtlCol="0" anchor="ctr"/>
+          <a:lstStyle/>
+          <a:p>
+            <a:pPr algn="ctr"/>
+            <a:endParaRPr lang="ru-RU">
+              <a:solidFill>
+                <a:schemeClr val="tx1"/>
+              </a:solidFill>
+            </a:endParaRPr>
+          </a:p>
+        </p:txBody>
+      </p:sp>
+      <p:sp>
+        <p:nvSpPr>
+          <p:cNvPr id="20" name="Рамка 19"/>
+          <p:cNvSpPr/>
+          <p:nvPr/>
+        </p:nvSpPr>
+        <p:spPr>
+          <a:xfrm>
+            <a:off x="3623408" y="1254253"/>
+            <a:ext cx="1699388" cy="239255"/>
+          </a:xfrm>
+          <a:prstGeom prst="frame">
+            <a:avLst/>
+          </a:prstGeom>
+          <a:solidFill>
+            <a:schemeClr val="tx2">
+              <a:lumMod val="50000"/>
+            </a:schemeClr>
+          </a:solidFill>
+          <a:ln>
+            <a:solidFill>
+              <a:schemeClr val="tx2">
+                <a:lumMod val="50000"/>
+              </a:schemeClr>
+            </a:solidFill>
+          </a:ln>
+        </p:spPr>
+        <p:style>
+          <a:lnRef idx="2">
+            <a:schemeClr val="accent1">
+              <a:shade val="50000"/>
+            </a:schemeClr>
+          </a:lnRef>
+          <a:fillRef idx="1">
+            <a:schemeClr val="accent1"/>
+          </a:fillRef>
+          <a:effectRef idx="0">
+            <a:schemeClr val="accent1"/>
+          </a:effectRef>
+          <a:fontRef idx="minor">
+            <a:schemeClr val="lt1"/>
+          </a:fontRef>
+        </p:style>
+        <p:txBody>
+          <a:bodyPr rtlCol="0" anchor="ctr"/>
+          <a:lstStyle/>
+          <a:p>
+            <a:pPr algn="ctr"/>
+            <a:endParaRPr lang="ru-RU">
+              <a:solidFill>
+                <a:schemeClr val="tx1"/>
+              </a:solidFill>
+            </a:endParaRPr>
+          </a:p>
+        </p:txBody>
+      </p:sp>
+      <p:sp>
+        <p:nvSpPr>
+          <p:cNvPr id="21" name="Рамка 20"/>
+          <p:cNvSpPr/>
+          <p:nvPr/>
+        </p:nvSpPr>
+        <p:spPr>
+          <a:xfrm>
+            <a:off x="7903593" y="1569076"/>
+            <a:ext cx="612000" cy="203033"/>
+          </a:xfrm>
+          <a:prstGeom prst="frame">
+            <a:avLst/>
+          </a:prstGeom>
+          <a:solidFill>
+            <a:schemeClr val="tx2">
+              <a:lumMod val="50000"/>
+            </a:schemeClr>
+          </a:solidFill>
+          <a:ln>
+            <a:solidFill>
+              <a:schemeClr val="tx2">
+                <a:lumMod val="50000"/>
+              </a:schemeClr>
+            </a:solidFill>
+          </a:ln>
+        </p:spPr>
+        <p:style>
+          <a:lnRef idx="2">
+            <a:schemeClr val="accent1">
+              <a:shade val="50000"/>
+            </a:schemeClr>
+          </a:lnRef>
+          <a:fillRef idx="1">
+            <a:schemeClr val="accent1"/>
+          </a:fillRef>
+          <a:effectRef idx="0">
+            <a:schemeClr val="accent1"/>
+          </a:effectRef>
+          <a:fontRef idx="minor">
+            <a:schemeClr val="lt1"/>
+          </a:fontRef>
+        </p:style>
+        <p:txBody>
+          <a:bodyPr rtlCol="0" anchor="ctr"/>
+          <a:lstStyle/>
+          <a:p>
+            <a:pPr algn="ctr"/>
+            <a:endParaRPr lang="ru-RU">
+              <a:solidFill>
+                <a:schemeClr val="tx1"/>
+              </a:solidFill>
+            </a:endParaRPr>
+          </a:p>
+        </p:txBody>
+      </p:sp>
+      <p:sp>
+        <p:nvSpPr>
+          <p:cNvPr id="22" name="Стрелка вниз 21"/>
+          <p:cNvSpPr/>
+          <p:nvPr/>
+        </p:nvSpPr>
+        <p:spPr>
+          <a:xfrm>
+            <a:off x="8163874" y="1358984"/>
+            <a:ext cx="45719" cy="183717"/>
+          </a:xfrm>
+          <a:prstGeom prst="downArrow">
+            <a:avLst/>
+          </a:prstGeom>
+          <a:ln>
+            <a:solidFill>
+              <a:schemeClr val="tx2">
+                <a:lumMod val="50000"/>
+              </a:schemeClr>
+            </a:solidFill>
+          </a:ln>
+        </p:spPr>
+        <p:style>
+          <a:lnRef idx="2">
+            <a:schemeClr val="accent1">
+              <a:shade val="50000"/>
+            </a:schemeClr>
+          </a:lnRef>
+          <a:fillRef idx="1">
+            <a:schemeClr val="accent1"/>
+          </a:fillRef>
+          <a:effectRef idx="0">
+            <a:schemeClr val="accent1"/>
+          </a:effectRef>
+          <a:fontRef idx="minor">
+            <a:schemeClr val="lt1"/>
+          </a:fontRef>
+        </p:style>
+        <p:txBody>
+          <a:bodyPr rtlCol="0" anchor="ctr"/>
+          <a:lstStyle/>
+          <a:p>
+            <a:pPr algn="ctr"/>
+            <a:endParaRPr lang="ru-RU"/>
+          </a:p>
+        </p:txBody>
+      </p:sp>
+      <p:pic>
+        <p:nvPicPr>
+          <p:cNvPr id="23" name="Рисунок 22"/>
+          <p:cNvPicPr>
+            <a:picLocks noChangeAspect="1"/>
+          </p:cNvPicPr>
+          <p:nvPr/>
+        </p:nvPicPr>
+        <p:blipFill>
+          <a:blip r:embed="rId7"/>
+          <a:stretch>
+            <a:fillRect/>
+          </a:stretch>
+        </p:blipFill>
+        <p:spPr>
+          <a:xfrm>
+            <a:off x="215449" y="3841954"/>
+            <a:ext cx="3414650" cy="1072325"/>
+          </a:xfrm>
+          <a:prstGeom prst="rect">
+            <a:avLst/>
+          </a:prstGeom>
+        </p:spPr>
+      </p:pic>
+      <p:sp>
+        <p:nvSpPr>
+          <p:cNvPr id="11" name="Стрелка вправо 10"/>
+          <p:cNvSpPr/>
+          <p:nvPr/>
+        </p:nvSpPr>
+        <p:spPr>
+          <a:xfrm rot="5827411" flipV="1">
+            <a:off x="5219052" y="1258393"/>
+            <a:ext cx="468091" cy="45719"/>
+          </a:xfrm>
+          <a:prstGeom prst="rightArrow">
+            <a:avLst/>
+          </a:prstGeom>
+          <a:ln>
+            <a:solidFill>
+              <a:schemeClr val="tx2">
+                <a:lumMod val="50000"/>
+              </a:schemeClr>
+            </a:solidFill>
+          </a:ln>
+        </p:spPr>
+        <p:style>
+          <a:lnRef idx="2">
+            <a:schemeClr val="accent1">
+              <a:shade val="50000"/>
+            </a:schemeClr>
+          </a:lnRef>
+          <a:fillRef idx="1">
+            <a:schemeClr val="accent1"/>
+          </a:fillRef>
+          <a:effectRef idx="0">
+            <a:schemeClr val="accent1"/>
+          </a:effectRef>
+          <a:fontRef idx="minor">
+            <a:schemeClr val="lt1"/>
+          </a:fontRef>
+        </p:style>
+        <p:txBody>
+          <a:bodyPr rtlCol="0" anchor="ctr"/>
+          <a:lstStyle/>
+          <a:p>
+            <a:pPr algn="ctr"/>
+            <a:endParaRPr lang="ru-RU"/>
+          </a:p>
+        </p:txBody>
+      </p:sp>
+      <p:sp>
+        <p:nvSpPr>
+          <p:cNvPr id="24" name="Стрелка вправо 23"/>
+          <p:cNvSpPr/>
+          <p:nvPr/>
+        </p:nvSpPr>
+        <p:spPr>
+          <a:xfrm rot="3221591">
+            <a:off x="3349150" y="4452599"/>
+            <a:ext cx="432391" cy="45719"/>
+          </a:xfrm>
+          <a:prstGeom prst="rightArrow">
+            <a:avLst/>
+          </a:prstGeom>
+          <a:solidFill>
+            <a:schemeClr val="tx2">
+              <a:lumMod val="50000"/>
+            </a:schemeClr>
+          </a:solidFill>
+          <a:ln>
+            <a:solidFill>
+              <a:schemeClr val="tx2">
+                <a:lumMod val="50000"/>
+              </a:schemeClr>
+            </a:solidFill>
+          </a:ln>
+        </p:spPr>
+        <p:style>
+          <a:lnRef idx="2">
+            <a:schemeClr val="accent1">
+              <a:shade val="50000"/>
+            </a:schemeClr>
+          </a:lnRef>
+          <a:fillRef idx="1">
+            <a:schemeClr val="accent1"/>
+          </a:fillRef>
+          <a:effectRef idx="0">
+            <a:schemeClr val="accent1"/>
+          </a:effectRef>
+          <a:fontRef idx="minor">
+            <a:schemeClr val="lt1"/>
+          </a:fontRef>
+        </p:style>
+        <p:txBody>
+          <a:bodyPr rtlCol="0" anchor="ctr"/>
+          <a:lstStyle/>
+          <a:p>
+            <a:pPr algn="ctr"/>
+            <a:endParaRPr lang="ru-RU"/>
+          </a:p>
+        </p:txBody>
+      </p:sp>
+      <p:sp>
+        <p:nvSpPr>
+          <p:cNvPr id="25" name="Рамка 24"/>
+          <p:cNvSpPr>
+            <a:spLocks/>
+          </p:cNvSpPr>
+          <p:nvPr/>
+        </p:nvSpPr>
+        <p:spPr>
+          <a:xfrm>
+            <a:off x="3708000" y="4644000"/>
+            <a:ext cx="2700000" cy="480283"/>
+          </a:xfrm>
+          <a:prstGeom prst="frame">
+            <a:avLst/>
+          </a:prstGeom>
+          <a:solidFill>
+            <a:schemeClr val="tx2">
+              <a:lumMod val="50000"/>
+            </a:schemeClr>
+          </a:solidFill>
+          <a:ln>
+            <a:solidFill>
+              <a:schemeClr val="tx2">
+                <a:lumMod val="50000"/>
+              </a:schemeClr>
+            </a:solidFill>
+          </a:ln>
+        </p:spPr>
+        <p:style>
+          <a:lnRef idx="2">
+            <a:schemeClr val="accent1">
+              <a:shade val="50000"/>
+            </a:schemeClr>
+          </a:lnRef>
+          <a:fillRef idx="1">
+            <a:schemeClr val="accent1"/>
+          </a:fillRef>
+          <a:effectRef idx="0">
+            <a:schemeClr val="accent1"/>
+          </a:effectRef>
+          <a:fontRef idx="minor">
+            <a:schemeClr val="lt1"/>
+          </a:fontRef>
+        </p:style>
+        <p:txBody>
+          <a:bodyPr lIns="0" tIns="36000" rIns="72000" bIns="0" rtlCol="0" anchor="ctr"/>
+          <a:lstStyle/>
+          <a:p>
+            <a:pPr algn="ctr"/>
+            <a:endParaRPr lang="ru-RU">
+              <a:solidFill>
+                <a:schemeClr val="tx1"/>
+              </a:solidFill>
+            </a:endParaRPr>
+          </a:p>
+        </p:txBody>
+      </p:sp>
+      <p:sp>
+        <p:nvSpPr>
+          <p:cNvPr id="2" name="Прямоугольник 1"/>
+          <p:cNvSpPr/>
+          <p:nvPr/>
+        </p:nvSpPr>
+        <p:spPr>
+          <a:xfrm>
+            <a:off x="1502840" y="2592141"/>
+            <a:ext cx="1730240" cy="1077218"/>
+          </a:xfrm>
+          <a:prstGeom prst="rect">
+            <a:avLst/>
+          </a:prstGeom>
+        </p:spPr>
+        <p:txBody>
+          <a:bodyPr wrap="square">
+            <a:spAutoFit/>
+          </a:bodyPr>
+          <a:lstStyle/>
+          <a:p>
+            <a:r>
+              <a:rPr lang="ru-RU" sz="1600" dirty="0" smtClean="0">
+                <a:latin typeface="Times New Roman" panose="02020603050405020304" pitchFamily="18" charset="0"/>
+              </a:rPr>
+              <a:t>Часть </a:t>
+            </a:r>
+            <a:r>
+              <a:rPr lang="ru-RU" sz="1600" dirty="0">
+                <a:latin typeface="Times New Roman" panose="02020603050405020304" pitchFamily="18" charset="0"/>
+              </a:rPr>
+              <a:t>структуры </a:t>
+            </a:r>
+            <a:r>
+              <a:rPr lang="ru-RU" sz="1600" dirty="0" err="1">
+                <a:latin typeface="Times New Roman" panose="02020603050405020304" pitchFamily="18" charset="0"/>
+              </a:rPr>
+              <a:t>html</a:t>
+            </a:r>
+            <a:r>
+              <a:rPr lang="ru-RU" sz="1600" dirty="0">
+                <a:latin typeface="Times New Roman" panose="02020603050405020304" pitchFamily="18" charset="0"/>
+              </a:rPr>
+              <a:t>-страницы с атрибутами объявления</a:t>
+            </a:r>
+            <a:endParaRPr lang="ru-RU" sz="1600" dirty="0">
+              <a:effectLst/>
+            </a:endParaRPr>
+          </a:p>
+        </p:txBody>
+      </p:sp>
+    </p:spTree>
+    <p:extLst>
+      <p:ext uri="{BB962C8B-B14F-4D97-AF65-F5344CB8AC3E}">
+        <p14:creationId xmlns:p14="http://schemas.microsoft.com/office/powerpoint/2010/main" val="1127493813"/>
+      </p:ext>
+    </p:extLst>
+  </p:cSld>
+  <p:clrMapOvr>
+    <a:masterClrMapping/>
+  </p:clrMapOvr>
+  <p:timing>
+    <p:tnLst>
+      <p:par>
+        <p:cTn id="1" dur="indefinite" restart="never" nodeType="tmRoot"/>
+      </p:par>
+    </p:tnLst>
+  </p:timing>
+</p:sld>
+</file>
+
+<file path=ppt/slides/slide11.xml><?xml version="1.0" encoding="utf-8"?>
+<p:sld xmlns:a="http://schemas.openxmlformats.org/drawingml/2006/main" xmlns:r="http://schemas.openxmlformats.org/officeDocument/2006/relationships" xmlns:p="http://schemas.openxmlformats.org/presentationml/2006/main">
+  <p:cSld>
+    <p:spTree>
+      <p:nvGrpSpPr>
+        <p:cNvPr id="1" name=""/>
+        <p:cNvGrpSpPr/>
+        <p:nvPr/>
+      </p:nvGrpSpPr>
+      <p:grpSpPr>
+        <a:xfrm>
+          <a:off x="0" y="0"/>
+          <a:ext cx="0" cy="0"/>
+          <a:chOff x="0" y="0"/>
+          <a:chExt cx="0" cy="0"/>
+        </a:xfrm>
+      </p:grpSpPr>
+      <p:sp>
+        <p:nvSpPr>
+          <p:cNvPr id="2" name="Заголовок 1"/>
+          <p:cNvSpPr>
+            <a:spLocks noGrp="1"/>
+          </p:cNvSpPr>
+          <p:nvPr>
+            <p:ph type="title"/>
+          </p:nvPr>
+        </p:nvSpPr>
+        <p:spPr>
+          <a:xfrm>
+            <a:off x="1382" y="-127685"/>
+            <a:ext cx="8881731" cy="1280160"/>
+          </a:xfrm>
+        </p:spPr>
+        <p:txBody>
+          <a:bodyPr>
+            <a:noAutofit/>
+          </a:bodyPr>
+          <a:lstStyle/>
+          <a:p>
+            <a:pPr algn="ctr"/>
+            <a:r>
+              <a:rPr lang="ru-RU" sz="3220" b="1" dirty="0">
+                <a:latin typeface="Times New Roman" panose="02020603050405020304" pitchFamily="18" charset="0"/>
+                <a:cs typeface="Times New Roman" panose="02020603050405020304" pitchFamily="18" charset="0"/>
+              </a:rPr>
+              <a:t>Варианты использования системы автоматизированного сбора информации</a:t>
+            </a:r>
+            <a:r>
+              <a:rPr lang="ru-RU" sz="3220" dirty="0">
+                <a:latin typeface="Times New Roman" panose="02020603050405020304" pitchFamily="18" charset="0"/>
+                <a:cs typeface="Times New Roman" panose="02020603050405020304" pitchFamily="18" charset="0"/>
+              </a:rPr>
+              <a:t/>
+            </a:r>
+            <a:br>
+              <a:rPr lang="ru-RU" sz="3220" dirty="0">
+                <a:latin typeface="Times New Roman" panose="02020603050405020304" pitchFamily="18" charset="0"/>
+                <a:cs typeface="Times New Roman" panose="02020603050405020304" pitchFamily="18" charset="0"/>
+              </a:rPr>
+            </a:br>
+            <a:endParaRPr lang="ru-RU" sz="3220" dirty="0">
+              <a:latin typeface="Times New Roman" panose="02020603050405020304" pitchFamily="18" charset="0"/>
+              <a:cs typeface="Times New Roman" panose="02020603050405020304" pitchFamily="18" charset="0"/>
+            </a:endParaRPr>
+          </a:p>
+        </p:txBody>
+      </p:sp>
+      <p:sp>
+        <p:nvSpPr>
+          <p:cNvPr id="4" name="Номер слайда 3"/>
+          <p:cNvSpPr>
+            <a:spLocks noGrp="1"/>
+          </p:cNvSpPr>
+          <p:nvPr>
+            <p:ph type="sldNum" idx="12"/>
+          </p:nvPr>
+        </p:nvSpPr>
+        <p:spPr/>
+        <p:txBody>
+          <a:bodyPr/>
+          <a:lstStyle/>
+          <a:p>
+            <a:pPr marL="0" lvl="0" indent="0" algn="r" rtl="0">
+              <a:spcBef>
+                <a:spcPts val="0"/>
+              </a:spcBef>
+              <a:spcAft>
+                <a:spcPts val="0"/>
+              </a:spcAft>
+              <a:buNone/>
+            </a:pPr>
+            <a:fld id="{00000000-1234-1234-1234-123412341234}" type="slidenum">
+              <a:rPr lang="ru" smtClean="0"/>
+              <a:t>11</a:t>
+            </a:fld>
+            <a:endParaRPr lang="ru"/>
+          </a:p>
+        </p:txBody>
+      </p:sp>
+      <p:sp>
+        <p:nvSpPr>
+          <p:cNvPr id="7" name="Google Shape;153;p25"/>
+          <p:cNvSpPr txBox="1"/>
+          <p:nvPr/>
+        </p:nvSpPr>
+        <p:spPr>
+          <a:xfrm>
+            <a:off x="362724" y="4280200"/>
+            <a:ext cx="8331695" cy="734700"/>
+          </a:xfrm>
+          <a:prstGeom prst="rect">
+            <a:avLst/>
+          </a:prstGeom>
+          <a:noFill/>
+          <a:ln>
+            <a:noFill/>
+          </a:ln>
+        </p:spPr>
+        <p:txBody>
+          <a:bodyPr spcFirstLastPara="1" wrap="square" lIns="91425" tIns="91425" rIns="91425" bIns="91425" anchor="t" anchorCtr="0">
+            <a:noAutofit/>
+          </a:bodyPr>
+          <a:lstStyle/>
+          <a:p>
+            <a:pPr marL="0" lvl="0" indent="0" rtl="0">
+              <a:spcBef>
+                <a:spcPts val="0"/>
+              </a:spcBef>
+              <a:spcAft>
+                <a:spcPts val="0"/>
+              </a:spcAft>
+              <a:buNone/>
+            </a:pPr>
+            <a:r>
+              <a:rPr lang="ru" sz="1800" dirty="0">
+                <a:solidFill>
+                  <a:schemeClr val="dk1"/>
+                </a:solidFill>
+                <a:latin typeface="Times New Roman"/>
+                <a:ea typeface="Times New Roman"/>
+                <a:cs typeface="Times New Roman"/>
+                <a:sym typeface="Times New Roman"/>
+              </a:rPr>
+              <a:t>Use Case диаграмма вариантов использования система автоматизированного сбора в нотации UML 2.0</a:t>
+            </a:r>
+            <a:endParaRPr sz="1800" dirty="0">
+              <a:solidFill>
+                <a:schemeClr val="dk1"/>
+              </a:solidFill>
+              <a:latin typeface="Times New Roman"/>
+              <a:ea typeface="Times New Roman"/>
+              <a:cs typeface="Times New Roman"/>
+              <a:sym typeface="Times New Roman"/>
+            </a:endParaRPr>
+          </a:p>
+        </p:txBody>
+      </p:sp>
+      <p:pic>
+        <p:nvPicPr>
+          <p:cNvPr id="8" name="Рисунок 7"/>
+          <p:cNvPicPr>
+            <a:picLocks noChangeAspect="1"/>
+          </p:cNvPicPr>
+          <p:nvPr/>
+        </p:nvPicPr>
+        <p:blipFill rotWithShape="1">
+          <a:blip r:embed="rId3"/>
+          <a:srcRect t="1824"/>
+          <a:stretch/>
+        </p:blipFill>
+        <p:spPr>
+          <a:xfrm>
+            <a:off x="2039369" y="1044102"/>
+            <a:ext cx="4160391" cy="3236098"/>
+          </a:xfrm>
+          <a:prstGeom prst="rect">
+            <a:avLst/>
+          </a:prstGeom>
+        </p:spPr>
+      </p:pic>
+    </p:spTree>
+    <p:extLst>
+      <p:ext uri="{BB962C8B-B14F-4D97-AF65-F5344CB8AC3E}">
+        <p14:creationId xmlns:p14="http://schemas.microsoft.com/office/powerpoint/2010/main" val="2288674812"/>
+      </p:ext>
+    </p:extLst>
+  </p:cSld>
+  <p:clrMapOvr>
+    <a:masterClrMapping/>
+  </p:clrMapOvr>
+  <p:timing>
+    <p:tnLst>
+      <p:par>
+        <p:cTn id="1" dur="indefinite" restart="never" nodeType="tmRoot"/>
+      </p:par>
+    </p:tnLst>
+  </p:timing>
+</p:sld>
+</file>
+
+<file path=ppt/slides/slide12.xml><?xml version="1.0" encoding="utf-8"?>
 <p:sld xmlns:a="http://schemas.openxmlformats.org/drawingml/2006/main" xmlns:r="http://schemas.openxmlformats.org/officeDocument/2006/relationships" xmlns:p="http://schemas.openxmlformats.org/presentationml/2006/main">
   <p:cSld>
     <p:spTree>
@@ -7166,10 +8730,17 @@
   <p:clrMapOvr>
     <a:masterClrMapping/>
   </p:clrMapOvr>
+  <p:timing>
+    <p:tnLst>
+      <p:par>
+        <p:cTn id="1" dur="indefinite" restart="never" nodeType="tmRoot"/>
+      </p:par>
+    </p:tnLst>
+  </p:timing>
 </p:sld>
 </file>
 
-<file path=ppt/slides/slide11.xml><?xml version="1.0" encoding="utf-8"?>
+<file path=ppt/slides/slide13.xml><?xml version="1.0" encoding="utf-8"?>
 <p:sld xmlns:a="http://schemas.openxmlformats.org/drawingml/2006/main" xmlns:r="http://schemas.openxmlformats.org/officeDocument/2006/relationships" xmlns:p="http://schemas.openxmlformats.org/presentationml/2006/main">
   <p:cSld>
     <p:spTree>
@@ -7772,6 +9343,541 @@
   <p:clrMapOvr>
     <a:masterClrMapping/>
   </p:clrMapOvr>
+  <p:timing>
+    <p:tnLst>
+      <p:par>
+        <p:cTn id="1" dur="indefinite" restart="never" nodeType="tmRoot"/>
+      </p:par>
+    </p:tnLst>
+  </p:timing>
+</p:sld>
+</file>
+
+<file path=ppt/slides/slide14.xml><?xml version="1.0" encoding="utf-8"?>
+<p:sld xmlns:a="http://schemas.openxmlformats.org/drawingml/2006/main" xmlns:r="http://schemas.openxmlformats.org/officeDocument/2006/relationships" xmlns:p="http://schemas.openxmlformats.org/presentationml/2006/main">
+  <p:cSld>
+    <p:spTree>
+      <p:nvGrpSpPr>
+        <p:cNvPr id="1" name=""/>
+        <p:cNvGrpSpPr/>
+        <p:nvPr/>
+      </p:nvGrpSpPr>
+      <p:grpSpPr>
+        <a:xfrm>
+          <a:off x="0" y="0"/>
+          <a:ext cx="0" cy="0"/>
+          <a:chOff x="0" y="0"/>
+          <a:chExt cx="0" cy="0"/>
+        </a:xfrm>
+      </p:grpSpPr>
+      <p:sp>
+        <p:nvSpPr>
+          <p:cNvPr id="2" name="Заголовок 1"/>
+          <p:cNvSpPr>
+            <a:spLocks noGrp="1"/>
+          </p:cNvSpPr>
+          <p:nvPr>
+            <p:ph type="title"/>
+          </p:nvPr>
+        </p:nvSpPr>
+        <p:spPr>
+          <a:xfrm>
+            <a:off x="311700" y="0"/>
+            <a:ext cx="8520600" cy="572700"/>
+          </a:xfrm>
+        </p:spPr>
+        <p:txBody>
+          <a:bodyPr>
+            <a:noAutofit/>
+          </a:bodyPr>
+          <a:lstStyle/>
+          <a:p>
+            <a:pPr algn="ctr"/>
+            <a:r>
+              <a:rPr lang="ru-RU" sz="3220" b="1" dirty="0" smtClean="0">
+                <a:latin typeface="Times New Roman" panose="02020603050405020304" pitchFamily="18" charset="0"/>
+                <a:cs typeface="Times New Roman" panose="02020603050405020304" pitchFamily="18" charset="0"/>
+              </a:rPr>
+              <a:t>Процесс сбора информации об одном объекте недвижимости</a:t>
+            </a:r>
+            <a:br>
+              <a:rPr lang="ru-RU" sz="3220" b="1" dirty="0" smtClean="0">
+                <a:latin typeface="Times New Roman" panose="02020603050405020304" pitchFamily="18" charset="0"/>
+                <a:cs typeface="Times New Roman" panose="02020603050405020304" pitchFamily="18" charset="0"/>
+              </a:rPr>
+            </a:br>
+            <a:endParaRPr lang="ru-RU" sz="3220" b="1" dirty="0">
+              <a:latin typeface="Times New Roman" panose="02020603050405020304" pitchFamily="18" charset="0"/>
+              <a:cs typeface="Times New Roman" panose="02020603050405020304" pitchFamily="18" charset="0"/>
+            </a:endParaRPr>
+          </a:p>
+        </p:txBody>
+      </p:sp>
+      <p:sp>
+        <p:nvSpPr>
+          <p:cNvPr id="4" name="Номер слайда 3"/>
+          <p:cNvSpPr>
+            <a:spLocks noGrp="1"/>
+          </p:cNvSpPr>
+          <p:nvPr>
+            <p:ph type="sldNum" idx="12"/>
+          </p:nvPr>
+        </p:nvSpPr>
+        <p:spPr/>
+        <p:txBody>
+          <a:bodyPr/>
+          <a:lstStyle/>
+          <a:p>
+            <a:pPr marL="0" lvl="0" indent="0" algn="r" rtl="0">
+              <a:spcBef>
+                <a:spcPts val="0"/>
+              </a:spcBef>
+              <a:spcAft>
+                <a:spcPts val="0"/>
+              </a:spcAft>
+              <a:buNone/>
+            </a:pPr>
+            <a:fld id="{00000000-1234-1234-1234-123412341234}" type="slidenum">
+              <a:rPr lang="ru" smtClean="0"/>
+              <a:t>14</a:t>
+            </a:fld>
+            <a:endParaRPr lang="ru"/>
+          </a:p>
+        </p:txBody>
+      </p:sp>
+      <p:pic>
+        <p:nvPicPr>
+          <p:cNvPr id="6" name="Рисунок 5"/>
+          <p:cNvPicPr>
+            <a:picLocks noChangeAspect="1"/>
+          </p:cNvPicPr>
+          <p:nvPr/>
+        </p:nvPicPr>
+        <p:blipFill>
+          <a:blip r:embed="rId3"/>
+          <a:stretch>
+            <a:fillRect/>
+          </a:stretch>
+        </p:blipFill>
+        <p:spPr>
+          <a:xfrm>
+            <a:off x="0" y="1124498"/>
+            <a:ext cx="9144000" cy="2894503"/>
+          </a:xfrm>
+          <a:prstGeom prst="rect">
+            <a:avLst/>
+          </a:prstGeom>
+        </p:spPr>
+      </p:pic>
+      <p:sp>
+        <p:nvSpPr>
+          <p:cNvPr id="7" name="Прямоугольник 6"/>
+          <p:cNvSpPr/>
+          <p:nvPr/>
+        </p:nvSpPr>
+        <p:spPr>
+          <a:xfrm>
+            <a:off x="479700" y="4154180"/>
+            <a:ext cx="8184600" cy="646331"/>
+          </a:xfrm>
+          <a:prstGeom prst="rect">
+            <a:avLst/>
+          </a:prstGeom>
+        </p:spPr>
+        <p:txBody>
+          <a:bodyPr wrap="square">
+            <a:spAutoFit/>
+          </a:bodyPr>
+          <a:lstStyle/>
+          <a:p>
+            <a:pPr lvl="0"/>
+            <a:r>
+              <a:rPr lang="ru-RU" sz="1800" dirty="0">
+                <a:solidFill>
+                  <a:schemeClr val="dk1"/>
+                </a:solidFill>
+                <a:latin typeface="Times New Roman"/>
+                <a:ea typeface="Times New Roman"/>
+                <a:cs typeface="Times New Roman"/>
+                <a:sym typeface="Times New Roman"/>
+              </a:rPr>
+              <a:t>Диаграмма активности сбора информации об одном объекте недвижимости в нотации UML 2.0</a:t>
+            </a:r>
+          </a:p>
+        </p:txBody>
+      </p:sp>
+    </p:spTree>
+    <p:extLst>
+      <p:ext uri="{BB962C8B-B14F-4D97-AF65-F5344CB8AC3E}">
+        <p14:creationId xmlns:p14="http://schemas.microsoft.com/office/powerpoint/2010/main" val="1800404146"/>
+      </p:ext>
+    </p:extLst>
+  </p:cSld>
+  <p:clrMapOvr>
+    <a:masterClrMapping/>
+  </p:clrMapOvr>
+  <p:timing>
+    <p:tnLst>
+      <p:par>
+        <p:cTn id="1" dur="indefinite" restart="never" nodeType="tmRoot"/>
+      </p:par>
+    </p:tnLst>
+  </p:timing>
+</p:sld>
+</file>
+
+<file path=ppt/slides/slide15.xml><?xml version="1.0" encoding="utf-8"?>
+<p:sld xmlns:a="http://schemas.openxmlformats.org/drawingml/2006/main" xmlns:r="http://schemas.openxmlformats.org/officeDocument/2006/relationships" xmlns:p="http://schemas.openxmlformats.org/presentationml/2006/main">
+  <p:cSld>
+    <p:spTree>
+      <p:nvGrpSpPr>
+        <p:cNvPr id="1" name=""/>
+        <p:cNvGrpSpPr/>
+        <p:nvPr/>
+      </p:nvGrpSpPr>
+      <p:grpSpPr>
+        <a:xfrm>
+          <a:off x="0" y="0"/>
+          <a:ext cx="0" cy="0"/>
+          <a:chOff x="0" y="0"/>
+          <a:chExt cx="0" cy="0"/>
+        </a:xfrm>
+      </p:grpSpPr>
+      <p:sp>
+        <p:nvSpPr>
+          <p:cNvPr id="2" name="Заголовок 1"/>
+          <p:cNvSpPr>
+            <a:spLocks noGrp="1"/>
+          </p:cNvSpPr>
+          <p:nvPr>
+            <p:ph type="title"/>
+          </p:nvPr>
+        </p:nvSpPr>
+        <p:spPr>
+          <a:xfrm>
+            <a:off x="311700" y="0"/>
+            <a:ext cx="8520600" cy="572700"/>
+          </a:xfrm>
+        </p:spPr>
+        <p:txBody>
+          <a:bodyPr>
+            <a:noAutofit/>
+          </a:bodyPr>
+          <a:lstStyle/>
+          <a:p>
+            <a:pPr algn="ctr"/>
+            <a:r>
+              <a:rPr lang="ru-RU" sz="3220" b="1" dirty="0" smtClean="0">
+                <a:latin typeface="Times New Roman" panose="02020603050405020304" pitchFamily="18" charset="0"/>
+                <a:cs typeface="Times New Roman" panose="02020603050405020304" pitchFamily="18" charset="0"/>
+              </a:rPr>
+              <a:t>Архитектура модуля </a:t>
+            </a:r>
+            <a:r>
+              <a:rPr lang="ru-RU" sz="3220" b="1" dirty="0" err="1" smtClean="0">
+                <a:latin typeface="Times New Roman" panose="02020603050405020304" pitchFamily="18" charset="0"/>
+                <a:cs typeface="Times New Roman" panose="02020603050405020304" pitchFamily="18" charset="0"/>
+              </a:rPr>
+              <a:t>парсера</a:t>
+            </a:r>
+            <a:endParaRPr lang="ru-RU" sz="3220" b="1" dirty="0">
+              <a:latin typeface="Times New Roman" panose="02020603050405020304" pitchFamily="18" charset="0"/>
+              <a:cs typeface="Times New Roman" panose="02020603050405020304" pitchFamily="18" charset="0"/>
+            </a:endParaRPr>
+          </a:p>
+        </p:txBody>
+      </p:sp>
+      <p:sp>
+        <p:nvSpPr>
+          <p:cNvPr id="3" name="Текст 2"/>
+          <p:cNvSpPr>
+            <a:spLocks noGrp="1"/>
+          </p:cNvSpPr>
+          <p:nvPr>
+            <p:ph type="body" idx="1"/>
+          </p:nvPr>
+        </p:nvSpPr>
+        <p:spPr>
+          <a:xfrm>
+            <a:off x="311700" y="4409598"/>
+            <a:ext cx="8520600" cy="507238"/>
+          </a:xfrm>
+        </p:spPr>
+        <p:txBody>
+          <a:bodyPr>
+            <a:noAutofit/>
+          </a:bodyPr>
+          <a:lstStyle/>
+          <a:p>
+            <a:pPr marL="114300" indent="0">
+              <a:buNone/>
+            </a:pPr>
+            <a:r>
+              <a:rPr lang="ru-RU" dirty="0">
+                <a:solidFill>
+                  <a:schemeClr val="tx1"/>
+                </a:solidFill>
+                <a:latin typeface="Times New Roman" panose="02020603050405020304" pitchFamily="18" charset="0"/>
+                <a:cs typeface="Times New Roman" panose="02020603050405020304" pitchFamily="18" charset="0"/>
+              </a:rPr>
+              <a:t>Диаграмма классов модуля автоматизированного сбора информации в нотации UML 2.0</a:t>
+            </a:r>
+            <a:endParaRPr lang="ru-RU" dirty="0">
+              <a:solidFill>
+                <a:schemeClr val="tx1"/>
+              </a:solidFill>
+              <a:effectLst/>
+              <a:latin typeface="Times New Roman" panose="02020603050405020304" pitchFamily="18" charset="0"/>
+              <a:cs typeface="Times New Roman" panose="02020603050405020304" pitchFamily="18" charset="0"/>
+            </a:endParaRPr>
+          </a:p>
+        </p:txBody>
+      </p:sp>
+      <p:sp>
+        <p:nvSpPr>
+          <p:cNvPr id="4" name="Номер слайда 3"/>
+          <p:cNvSpPr>
+            <a:spLocks noGrp="1"/>
+          </p:cNvSpPr>
+          <p:nvPr>
+            <p:ph type="sldNum" idx="12"/>
+          </p:nvPr>
+        </p:nvSpPr>
+        <p:spPr/>
+        <p:txBody>
+          <a:bodyPr/>
+          <a:lstStyle/>
+          <a:p>
+            <a:pPr marL="0" lvl="0" indent="0" algn="r" rtl="0">
+              <a:spcBef>
+                <a:spcPts val="0"/>
+              </a:spcBef>
+              <a:spcAft>
+                <a:spcPts val="0"/>
+              </a:spcAft>
+              <a:buNone/>
+            </a:pPr>
+            <a:fld id="{00000000-1234-1234-1234-123412341234}" type="slidenum">
+              <a:rPr lang="ru" smtClean="0"/>
+              <a:t>15</a:t>
+            </a:fld>
+            <a:endParaRPr lang="ru"/>
+          </a:p>
+        </p:txBody>
+      </p:sp>
+      <p:pic>
+        <p:nvPicPr>
+          <p:cNvPr id="7" name="Рисунок 6"/>
+          <p:cNvPicPr>
+            <a:picLocks noChangeAspect="1"/>
+          </p:cNvPicPr>
+          <p:nvPr/>
+        </p:nvPicPr>
+        <p:blipFill>
+          <a:blip r:embed="rId3"/>
+          <a:stretch>
+            <a:fillRect/>
+          </a:stretch>
+        </p:blipFill>
+        <p:spPr>
+          <a:xfrm>
+            <a:off x="623777" y="572699"/>
+            <a:ext cx="7848681" cy="3950537"/>
+          </a:xfrm>
+          <a:prstGeom prst="rect">
+            <a:avLst/>
+          </a:prstGeom>
+        </p:spPr>
+      </p:pic>
+    </p:spTree>
+    <p:extLst>
+      <p:ext uri="{BB962C8B-B14F-4D97-AF65-F5344CB8AC3E}">
+        <p14:creationId xmlns:p14="http://schemas.microsoft.com/office/powerpoint/2010/main" val="1160593699"/>
+      </p:ext>
+    </p:extLst>
+  </p:cSld>
+  <p:clrMapOvr>
+    <a:masterClrMapping/>
+  </p:clrMapOvr>
+  <p:timing>
+    <p:tnLst>
+      <p:par>
+        <p:cTn id="1" dur="indefinite" restart="never" nodeType="tmRoot"/>
+      </p:par>
+    </p:tnLst>
+  </p:timing>
+</p:sld>
+</file>
+
+<file path=ppt/slides/slide16.xml><?xml version="1.0" encoding="utf-8"?>
+<p:sld xmlns:a="http://schemas.openxmlformats.org/drawingml/2006/main" xmlns:r="http://schemas.openxmlformats.org/officeDocument/2006/relationships" xmlns:p="http://schemas.openxmlformats.org/presentationml/2006/main">
+  <p:cSld>
+    <p:spTree>
+      <p:nvGrpSpPr>
+        <p:cNvPr id="1" name=""/>
+        <p:cNvGrpSpPr/>
+        <p:nvPr/>
+      </p:nvGrpSpPr>
+      <p:grpSpPr>
+        <a:xfrm>
+          <a:off x="0" y="0"/>
+          <a:ext cx="0" cy="0"/>
+          <a:chOff x="0" y="0"/>
+          <a:chExt cx="0" cy="0"/>
+        </a:xfrm>
+      </p:grpSpPr>
+      <p:sp>
+        <p:nvSpPr>
+          <p:cNvPr id="2" name="Заголовок 1"/>
+          <p:cNvSpPr>
+            <a:spLocks noGrp="1"/>
+          </p:cNvSpPr>
+          <p:nvPr>
+            <p:ph type="title"/>
+          </p:nvPr>
+        </p:nvSpPr>
+        <p:spPr>
+          <a:xfrm>
+            <a:off x="843328" y="0"/>
+            <a:ext cx="6960970" cy="572700"/>
+          </a:xfrm>
+        </p:spPr>
+        <p:txBody>
+          <a:bodyPr>
+            <a:noAutofit/>
+          </a:bodyPr>
+          <a:lstStyle/>
+          <a:p>
+            <a:pPr algn="ctr"/>
+            <a:r>
+              <a:rPr lang="ru-RU" sz="3220" b="1" dirty="0" smtClean="0">
+                <a:latin typeface="Times New Roman" panose="02020603050405020304" pitchFamily="18" charset="0"/>
+                <a:cs typeface="Times New Roman" panose="02020603050405020304" pitchFamily="18" charset="0"/>
+              </a:rPr>
+              <a:t>Архитектура модуля представление</a:t>
+            </a:r>
+            <a:endParaRPr lang="ru-RU" sz="3220" b="1" dirty="0">
+              <a:latin typeface="Times New Roman" panose="02020603050405020304" pitchFamily="18" charset="0"/>
+              <a:cs typeface="Times New Roman" panose="02020603050405020304" pitchFamily="18" charset="0"/>
+            </a:endParaRPr>
+          </a:p>
+        </p:txBody>
+      </p:sp>
+      <p:sp>
+        <p:nvSpPr>
+          <p:cNvPr id="3" name="Текст 2"/>
+          <p:cNvSpPr>
+            <a:spLocks noGrp="1"/>
+          </p:cNvSpPr>
+          <p:nvPr>
+            <p:ph type="body" idx="1"/>
+          </p:nvPr>
+        </p:nvSpPr>
+        <p:spPr>
+          <a:xfrm>
+            <a:off x="226208" y="4429301"/>
+            <a:ext cx="8520600" cy="467832"/>
+          </a:xfrm>
+        </p:spPr>
+        <p:txBody>
+          <a:bodyPr>
+            <a:noAutofit/>
+          </a:bodyPr>
+          <a:lstStyle/>
+          <a:p>
+            <a:pPr marL="114300" indent="0">
+              <a:buNone/>
+            </a:pPr>
+            <a:r>
+              <a:rPr lang="ru-RU" dirty="0">
+                <a:solidFill>
+                  <a:schemeClr val="tx1"/>
+                </a:solidFill>
+              </a:rPr>
+              <a:t>Диаграмма классов модуля представления информации в нотации UML 2.0</a:t>
+            </a:r>
+            <a:endParaRPr lang="ru-RU" dirty="0">
+              <a:solidFill>
+                <a:schemeClr val="tx1"/>
+              </a:solidFill>
+              <a:effectLst/>
+            </a:endParaRPr>
+          </a:p>
+        </p:txBody>
+      </p:sp>
+      <p:sp>
+        <p:nvSpPr>
+          <p:cNvPr id="4" name="Номер слайда 3"/>
+          <p:cNvSpPr>
+            <a:spLocks noGrp="1"/>
+          </p:cNvSpPr>
+          <p:nvPr>
+            <p:ph type="sldNum" idx="12"/>
+          </p:nvPr>
+        </p:nvSpPr>
+        <p:spPr/>
+        <p:txBody>
+          <a:bodyPr/>
+          <a:lstStyle/>
+          <a:p>
+            <a:pPr marL="0" lvl="0" indent="0" algn="r" rtl="0">
+              <a:spcBef>
+                <a:spcPts val="0"/>
+              </a:spcBef>
+              <a:spcAft>
+                <a:spcPts val="0"/>
+              </a:spcAft>
+              <a:buNone/>
+            </a:pPr>
+            <a:fld id="{00000000-1234-1234-1234-123412341234}" type="slidenum">
+              <a:rPr lang="ru" smtClean="0"/>
+              <a:t>16</a:t>
+            </a:fld>
+            <a:endParaRPr lang="ru"/>
+          </a:p>
+        </p:txBody>
+      </p:sp>
+      <p:pic>
+        <p:nvPicPr>
+          <p:cNvPr id="5" name="Рисунок 4"/>
+          <p:cNvPicPr>
+            <a:picLocks noChangeAspect="1"/>
+          </p:cNvPicPr>
+          <p:nvPr/>
+        </p:nvPicPr>
+        <p:blipFill>
+          <a:blip r:embed="rId2"/>
+          <a:stretch>
+            <a:fillRect/>
+          </a:stretch>
+        </p:blipFill>
+        <p:spPr>
+          <a:xfrm>
+            <a:off x="2327037" y="572700"/>
+            <a:ext cx="4318942" cy="3856601"/>
+          </a:xfrm>
+          <a:prstGeom prst="rect">
+            <a:avLst/>
+          </a:prstGeom>
+        </p:spPr>
+      </p:pic>
+    </p:spTree>
+    <p:extLst>
+      <p:ext uri="{BB962C8B-B14F-4D97-AF65-F5344CB8AC3E}">
+        <p14:creationId xmlns:p14="http://schemas.microsoft.com/office/powerpoint/2010/main" val="1087060806"/>
+      </p:ext>
+    </p:extLst>
+  </p:cSld>
+  <p:clrMapOvr>
+    <a:masterClrMapping/>
+  </p:clrMapOvr>
+  <p:timing>
+    <p:tnLst>
+      <p:par>
+        <p:cTn id="1" dur="indefinite" restart="never" nodeType="tmRoot"/>
+      </p:par>
+    </p:tnLst>
+  </p:timing>
 </p:sld>
 </file>
 
@@ -7804,7 +9910,7 @@
         </p:nvSpPr>
         <p:spPr>
           <a:xfrm>
-            <a:off x="311700" y="445025"/>
+            <a:off x="311700" y="-141371"/>
             <a:ext cx="8520600" cy="572700"/>
           </a:xfrm>
           <a:prstGeom prst="rect">
@@ -7927,7 +10033,7 @@
         </p:nvSpPr>
         <p:spPr>
           <a:xfrm>
-            <a:off x="311700" y="1152475"/>
+            <a:off x="311700" y="791973"/>
             <a:ext cx="8224500" cy="3510600"/>
           </a:xfrm>
           <a:prstGeom prst="rect">
@@ -8022,7 +10128,31 @@
                 <a:cs typeface="Times New Roman"/>
                 <a:sym typeface="Times New Roman"/>
               </a:rPr>
-              <a:t>данных, содержащее информацию в структурированном виде по определенной предметной области</a:t>
+              <a:t>данных, содержащее информацию в </a:t>
+            </a:r>
+            <a:r>
+              <a:rPr lang="ru-RU" sz="2000" dirty="0" smtClean="0">
+                <a:solidFill>
+                  <a:schemeClr val="dk1"/>
+                </a:solidFill>
+                <a:latin typeface="Times New Roman"/>
+                <a:ea typeface="Times New Roman"/>
+                <a:cs typeface="Times New Roman"/>
+                <a:sym typeface="Times New Roman"/>
+              </a:rPr>
+              <a:t>структурированном</a:t>
+            </a:r>
+            <a:r>
+              <a:rPr lang="ru-RU" sz="2050" dirty="0" smtClean="0">
+                <a:solidFill>
+                  <a:schemeClr val="dk1"/>
+                </a:solidFill>
+                <a:latin typeface="Times New Roman"/>
+                <a:ea typeface="Times New Roman"/>
+                <a:cs typeface="Times New Roman"/>
+                <a:sym typeface="Times New Roman"/>
+              </a:rPr>
+              <a:t> виде по определенной предметной области</a:t>
             </a:r>
             <a:r>
               <a:rPr lang="ru" sz="2050" dirty="0" smtClean="0">
@@ -8433,6 +10563,13 @@
   <p:clrMapOvr>
     <a:masterClrMapping/>
   </p:clrMapOvr>
+  <p:timing>
+    <p:tnLst>
+      <p:par>
+        <p:cTn id="1" dur="indefinite" restart="never" nodeType="tmRoot"/>
+      </p:par>
+    </p:tnLst>
+  </p:timing>
 </p:sld>
 </file>
 
@@ -8465,7 +10602,7 @@
         </p:nvSpPr>
         <p:spPr>
           <a:xfrm>
-            <a:off x="311700" y="445025"/>
+            <a:off x="311700" y="-183917"/>
             <a:ext cx="8520600" cy="572700"/>
           </a:xfrm>
           <a:prstGeom prst="rect">
@@ -8489,7 +10626,7 @@
               <a:buNone/>
             </a:pPr>
             <a:r>
-              <a:rPr lang="ru" sz="3220" b="1">
+              <a:rPr lang="ru" sz="3220" b="1" dirty="0">
                 <a:latin typeface="Times New Roman"/>
                 <a:ea typeface="Times New Roman"/>
                 <a:cs typeface="Times New Roman"/>
@@ -8497,7 +10634,7 @@
               </a:rPr>
               <a:t>Проблема поиска готовой базы знаний</a:t>
             </a:r>
-            <a:endParaRPr sz="3220" b="1">
+            <a:endParaRPr sz="3220" b="1" dirty="0">
               <a:latin typeface="Times New Roman"/>
               <a:ea typeface="Times New Roman"/>
               <a:cs typeface="Times New Roman"/>
@@ -8518,8 +10655,8 @@
         </p:nvSpPr>
         <p:spPr>
           <a:xfrm>
-            <a:off x="311700" y="1152475"/>
-            <a:ext cx="8520600" cy="3680782"/>
+            <a:off x="311700" y="685609"/>
+            <a:ext cx="8520600" cy="4220346"/>
           </a:xfrm>
           <a:prstGeom prst="rect">
             <a:avLst/>
@@ -8530,7 +10667,7 @@
         </p:spPr>
         <p:txBody>
           <a:bodyPr spcFirstLastPara="1" wrap="square" lIns="91425" tIns="91425" rIns="91425" bIns="91425" anchor="t" anchorCtr="0">
-            <a:normAutofit fontScale="77500" lnSpcReduction="20000"/>
+            <a:normAutofit/>
           </a:bodyPr>
           <a:lstStyle/>
           <a:p>
@@ -8547,7 +10684,7 @@
               <a:buNone/>
             </a:pPr>
             <a:r>
-              <a:rPr lang="ru" sz="2000" dirty="0">
+              <a:rPr lang="ru" sz="2000" dirty="0" smtClean="0">
                 <a:solidFill>
                   <a:schemeClr val="dk1"/>
                 </a:solidFill>
@@ -8556,67 +10693,7 @@
                 <a:cs typeface="Times New Roman"/>
                 <a:sym typeface="Times New Roman"/>
               </a:rPr>
-              <a:t>Существует </a:t>
-            </a:r>
-            <a:r>
-              <a:rPr lang="ru" sz="2000" dirty="0" smtClean="0">
-                <a:solidFill>
-                  <a:schemeClr val="dk1"/>
-                </a:solidFill>
-                <a:latin typeface="Times New Roman"/>
-                <a:ea typeface="Times New Roman"/>
-                <a:cs typeface="Times New Roman"/>
-                <a:sym typeface="Times New Roman"/>
-              </a:rPr>
-              <a:t>сервис «Зарубежная недвижимость», </a:t>
-            </a:r>
-            <a:r>
-              <a:rPr lang="ru" sz="2000" dirty="0">
-                <a:solidFill>
-                  <a:schemeClr val="dk1"/>
-                </a:solidFill>
-                <a:latin typeface="Times New Roman"/>
-                <a:ea typeface="Times New Roman"/>
-                <a:cs typeface="Times New Roman"/>
-                <a:sym typeface="Times New Roman"/>
-              </a:rPr>
-              <a:t>которому нужна база </a:t>
-            </a:r>
-            <a:r>
-              <a:rPr lang="ru" sz="2000" dirty="0" smtClean="0">
-                <a:solidFill>
-                  <a:schemeClr val="dk1"/>
-                </a:solidFill>
-                <a:latin typeface="Times New Roman"/>
-                <a:ea typeface="Times New Roman"/>
-                <a:cs typeface="Times New Roman"/>
-                <a:sym typeface="Times New Roman"/>
-              </a:rPr>
-              <a:t>данных по </a:t>
-            </a:r>
-            <a:r>
-              <a:rPr lang="ru" sz="2000" dirty="0">
-                <a:solidFill>
-                  <a:schemeClr val="dk1"/>
-                </a:solidFill>
-                <a:latin typeface="Times New Roman"/>
-                <a:ea typeface="Times New Roman"/>
-                <a:cs typeface="Times New Roman"/>
-                <a:sym typeface="Times New Roman"/>
-              </a:rPr>
-              <a:t>турецкой недвижимости, но в открытом доступе такой нет</a:t>
-            </a:r>
-            <a:r>
-              <a:rPr lang="ru" sz="2000" dirty="0" smtClean="0">
-                <a:solidFill>
-                  <a:schemeClr val="dk1"/>
-                </a:solidFill>
-                <a:latin typeface="Times New Roman"/>
-                <a:ea typeface="Times New Roman"/>
-                <a:cs typeface="Times New Roman"/>
-                <a:sym typeface="Times New Roman"/>
-              </a:rPr>
-              <a:t>. В этой системе также есть админ-панель для просмотра парсеров, которая требует доработок.</a:t>
+              <a:t>(Источники инфы про недвижимость.)</a:t>
             </a:r>
             <a:endParaRPr sz="2000" dirty="0">
               <a:solidFill>
@@ -8645,7 +10722,7 @@
                 <a:cs typeface="Times New Roman"/>
                 <a:sym typeface="Times New Roman"/>
               </a:rPr>
-              <a:t>Ручной сбор информации требует значительных временных затрат и подвержен ошибкам и опечаткам из-за влияния человеческого фактора. Поэтому процесс сбора данных рекомендуется автоматизировать, чтобы повысить эффективность и точность</a:t>
+              <a:t>Ручной сбор информации </a:t>
             </a:r>
             <a:r>
               <a:rPr lang="ru-RU" sz="2000" dirty="0" smtClean="0">
@@ -8657,7 +10734,31 @@
                 <a:cs typeface="Times New Roman"/>
                 <a:sym typeface="Times New Roman"/>
               </a:rPr>
-              <a:t>.</a:t>
+              <a:t>– значительные временные затраты </a:t>
+            </a:r>
+            <a:r>
+              <a:rPr lang="ru-RU" sz="2000" dirty="0">
+                <a:solidFill>
+                  <a:schemeClr val="dk1"/>
+                </a:solidFill>
+                <a:latin typeface="Times New Roman"/>
+                <a:ea typeface="Times New Roman"/>
+                <a:cs typeface="Times New Roman"/>
+                <a:sym typeface="Times New Roman"/>
+              </a:rPr>
+              <a:t>и </a:t>
+            </a:r>
+            <a:r>
+              <a:rPr lang="ru-RU" sz="2000" dirty="0" smtClean="0">
+                <a:solidFill>
+                  <a:schemeClr val="dk1"/>
+                </a:solidFill>
+                <a:latin typeface="Times New Roman"/>
+                <a:ea typeface="Times New Roman"/>
+                <a:cs typeface="Times New Roman"/>
+                <a:sym typeface="Times New Roman"/>
+              </a:rPr>
+              <a:t>опечатки.</a:t>
             </a:r>
             <a:endParaRPr lang="en-US" sz="2000" dirty="0" smtClean="0">
               <a:solidFill>
@@ -8677,7 +10778,7 @@
               <a:buNone/>
             </a:pPr>
             <a:r>
-              <a:rPr lang="ru" sz="2000" dirty="0" smtClean="0">
+              <a:rPr lang="ru" sz="2000" b="1" dirty="0">
                 <a:solidFill>
                   <a:schemeClr val="dk1"/>
                 </a:solidFill>
@@ -8686,7 +10787,7 @@
                 <a:cs typeface="Times New Roman"/>
                 <a:sym typeface="Times New Roman"/>
               </a:rPr>
-              <a:t>Далеко </a:t>
+              <a:t>Автоматизированный сбор </a:t>
             </a:r>
             <a:r>
               <a:rPr lang="ru" sz="2000" dirty="0">
@@ -8698,10 +10799,10 @@
                 <a:cs typeface="Times New Roman"/>
                 <a:sym typeface="Times New Roman"/>
               </a:rPr>
-              <a:t>не все сайты предоставляют доступ к своему API. </a:t>
-            </a:r>
-            <a:r>
-              <a:rPr lang="ru" sz="2000" dirty="0" smtClean="0">
+              <a:t>информации (Парсинг) </a:t>
+            </a:r>
+            <a:r>
+              <a:rPr lang="ru-RU" sz="2000" dirty="0">
                 <a:solidFill>
                   <a:schemeClr val="dk1"/>
                 </a:solidFill>
@@ -8710,10 +10811,10 @@
                 <a:cs typeface="Times New Roman"/>
                 <a:sym typeface="Times New Roman"/>
               </a:rPr>
-              <a:t>Веб-сайт</a:t>
-            </a:r>
-            <a:r>
-              <a:rPr lang="en-US" sz="2000" dirty="0">
+              <a:t>быстрее и </a:t>
+            </a:r>
+            <a:r>
+              <a:rPr lang="ru-RU" sz="2000" dirty="0" smtClean="0">
                 <a:solidFill>
                   <a:schemeClr val="dk1"/>
                 </a:solidFill>
@@ -8722,34 +10823,51 @@
                 <a:cs typeface="Times New Roman"/>
                 <a:sym typeface="Times New Roman"/>
               </a:rPr>
-              <a:t> </a:t>
-            </a:r>
-            <a:r>
-              <a:rPr lang="en-US" sz="2000" dirty="0">
-                <a:solidFill>
-                  <a:schemeClr val="accent1"/>
+              <a:t>точнее.</a:t>
+            </a:r>
+            <a:endParaRPr lang="ru" sz="2000" dirty="0" smtClean="0">
+              <a:solidFill>
+                <a:schemeClr val="dk1"/>
+              </a:solidFill>
+              <a:latin typeface="Times New Roman"/>
+              <a:ea typeface="Times New Roman"/>
+              <a:cs typeface="Times New Roman"/>
+              <a:sym typeface="Times New Roman"/>
+            </a:endParaRPr>
+          </a:p>
+          <a:p>
+            <a:pPr marL="0" lvl="0" indent="449580" algn="just">
+              <a:lnSpc>
+                <a:spcPct val="150000"/>
+              </a:lnSpc>
+              <a:buNone/>
+            </a:pPr>
+            <a:r>
+              <a:rPr lang="ru" sz="2000" dirty="0" smtClean="0">
+                <a:solidFill>
+                  <a:schemeClr val="dk1"/>
                 </a:solidFill>
                 <a:latin typeface="Times New Roman"/>
                 <a:ea typeface="Times New Roman"/>
                 <a:cs typeface="Times New Roman"/>
                 <a:sym typeface="Times New Roman"/>
               </a:rPr>
-              <a:t>www.hepsiemlak.com</a:t>
-            </a:r>
-            <a:r>
-              <a:rPr lang="ru" sz="2000" dirty="0" smtClean="0">
-                <a:solidFill>
-                  <a:schemeClr val="accent1"/>
+              <a:t>(</a:t>
+            </a:r>
+            <a:r>
+              <a:rPr lang="ru-RU" sz="2000" dirty="0" smtClean="0">
+                <a:solidFill>
+                  <a:schemeClr val="dk1"/>
                 </a:solidFill>
                 <a:latin typeface="Times New Roman"/>
                 <a:ea typeface="Times New Roman"/>
                 <a:cs typeface="Times New Roman"/>
                 <a:sym typeface="Times New Roman"/>
               </a:rPr>
-              <a:t> </a:t>
-            </a:r>
-            <a:r>
-              <a:rPr lang="ru" sz="2000" dirty="0">
+              <a:t>Популярные сайты с недвижимостью </a:t>
+            </a:r>
+            <a:r>
+              <a:rPr lang="ru-RU" sz="2000" dirty="0" err="1" smtClean="0">
                 <a:solidFill>
                   <a:schemeClr val="dk1"/>
                 </a:solidFill>
@@ -8758,7 +10876,55 @@
                 <a:cs typeface="Times New Roman"/>
                 <a:sym typeface="Times New Roman"/>
               </a:rPr>
-              <a:t>является популярным в Турции, но открытого API не имеет.</a:t>
+              <a:t>турции</a:t>
+            </a:r>
+            <a:r>
+              <a:rPr lang="ru-RU" sz="2000" dirty="0" smtClean="0">
+                <a:solidFill>
+                  <a:schemeClr val="dk1"/>
+                </a:solidFill>
+                <a:latin typeface="Times New Roman"/>
+                <a:ea typeface="Times New Roman"/>
+                <a:cs typeface="Times New Roman"/>
+                <a:sym typeface="Times New Roman"/>
+              </a:rPr>
+              <a:t> : … (1 место </a:t>
+            </a:r>
+            <a:r>
+              <a:rPr lang="en-US" sz="2000" b="1" dirty="0" smtClean="0">
+                <a:solidFill>
+                  <a:schemeClr val="dk1"/>
+                </a:solidFill>
+                <a:latin typeface="Times New Roman"/>
+                <a:ea typeface="Times New Roman"/>
+                <a:cs typeface="Times New Roman"/>
+                <a:sym typeface="Times New Roman"/>
+              </a:rPr>
+              <a:t>vartur.com</a:t>
+            </a:r>
+            <a:r>
+              <a:rPr lang="ru-RU" sz="2000" dirty="0" smtClean="0">
+                <a:solidFill>
+                  <a:schemeClr val="dk1"/>
+                </a:solidFill>
+                <a:latin typeface="Times New Roman"/>
+                <a:ea typeface="Times New Roman"/>
+                <a:cs typeface="Times New Roman"/>
+                <a:sym typeface="Times New Roman"/>
+              </a:rPr>
+              <a:t>)</a:t>
+            </a:r>
+            <a:r>
+              <a:rPr lang="ru" sz="2000" dirty="0" smtClean="0">
+                <a:solidFill>
+                  <a:schemeClr val="dk1"/>
+                </a:solidFill>
+                <a:latin typeface="Times New Roman"/>
+                <a:ea typeface="Times New Roman"/>
+                <a:cs typeface="Times New Roman"/>
+                <a:sym typeface="Times New Roman"/>
+              </a:rPr>
+              <a:t>)</a:t>
             </a:r>
             <a:endParaRPr sz="2000" dirty="0">
               <a:solidFill>
@@ -8783,18 +10949,6 @@
               </a:spcAft>
               <a:buNone/>
             </a:pPr>
-            <a:r>
-              <a:rPr lang="ru" sz="2000" dirty="0">
-                <a:solidFill>
-                  <a:schemeClr val="dk1"/>
-                </a:solidFill>
-                <a:latin typeface="Times New Roman"/>
-                <a:ea typeface="Times New Roman"/>
-                <a:cs typeface="Times New Roman"/>
-                <a:sym typeface="Times New Roman"/>
-              </a:rPr>
-              <a:t>Автоматизированный сбор информации (Парсинг) с HTML наиболее подходящий способ, за счет своей простоты, отсутствия ограничений по доступу и надежному относительно ручного метода сбора.</a:t>
-            </a:r>
             <a:endParaRPr sz="2000" dirty="0">
               <a:solidFill>
                 <a:schemeClr val="dk1"/>
@@ -8864,6 +11018,13 @@
   <p:clrMapOvr>
     <a:masterClrMapping/>
   </p:clrMapOvr>
+  <p:timing>
+    <p:tnLst>
+      <p:par>
+        <p:cTn id="1" dur="indefinite" restart="never" nodeType="tmRoot"/>
+      </p:par>
+    </p:tnLst>
+  </p:timing>
 </p:sld>
 </file>
 
@@ -9416,6 +11577,13 @@
   <p:clrMapOvr>
     <a:masterClrMapping/>
   </p:clrMapOvr>
+  <p:timing>
+    <p:tnLst>
+      <p:par>
+        <p:cTn id="1" dur="indefinite" restart="never" nodeType="tmRoot"/>
+      </p:par>
+    </p:tnLst>
+  </p:timing>
 </p:sld>
 </file>
 
@@ -9533,7 +11701,7 @@
               <a:t>Объектом исследования </a:t>
             </a:r>
             <a:r>
-              <a:rPr lang="ru-RU" dirty="0">
+              <a:rPr lang="ru-RU" dirty="0" smtClean="0">
                 <a:solidFill>
                   <a:schemeClr val="dk1"/>
                 </a:solidFill>
@@ -9542,91 +11710,7 @@
                 <a:cs typeface="Times New Roman"/>
                 <a:sym typeface="Times New Roman"/>
               </a:rPr>
-              <a:t>в работе </a:t>
-            </a:r>
-            <a:r>
-              <a:rPr lang="ru-RU" dirty="0" smtClean="0">
-                <a:solidFill>
-                  <a:schemeClr val="dk1"/>
-                </a:solidFill>
-                <a:latin typeface="Times New Roman"/>
-                <a:ea typeface="Times New Roman"/>
-                <a:cs typeface="Times New Roman"/>
-                <a:sym typeface="Times New Roman"/>
-              </a:rPr>
-              <a:t>выступают методы </a:t>
-            </a:r>
-            <a:r>
-              <a:rPr lang="ru-RU" dirty="0">
-                <a:solidFill>
-                  <a:schemeClr val="dk1"/>
-                </a:solidFill>
-                <a:latin typeface="Times New Roman"/>
-                <a:ea typeface="Times New Roman"/>
-                <a:cs typeface="Times New Roman"/>
-                <a:sym typeface="Times New Roman"/>
-              </a:rPr>
-              <a:t>автоматизированного сбора информации для формирования базы данных о </a:t>
-            </a:r>
-            <a:r>
-              <a:rPr lang="ru-RU" dirty="0" smtClean="0">
-                <a:solidFill>
-                  <a:schemeClr val="dk1"/>
-                </a:solidFill>
-                <a:latin typeface="Times New Roman"/>
-                <a:ea typeface="Times New Roman"/>
-                <a:cs typeface="Times New Roman"/>
-                <a:sym typeface="Times New Roman"/>
-              </a:rPr>
-              <a:t>турецкой недвижимости. Процесс </a:t>
-            </a:r>
-            <a:r>
-              <a:rPr lang="ru-RU" dirty="0">
-                <a:solidFill>
-                  <a:schemeClr val="dk1"/>
-                </a:solidFill>
-                <a:latin typeface="Times New Roman"/>
-                <a:ea typeface="Times New Roman"/>
-                <a:cs typeface="Times New Roman"/>
-                <a:sym typeface="Times New Roman"/>
-              </a:rPr>
-              <a:t>сбора и обработки данных о недвижимости на рынке Турции, включая автоматизацию операций по извлечению, хранению и анализу </a:t>
-            </a:r>
-            <a:r>
-              <a:rPr lang="ru-RU" dirty="0" smtClean="0">
-                <a:solidFill>
-                  <a:schemeClr val="dk1"/>
-                </a:solidFill>
-                <a:latin typeface="Times New Roman"/>
-                <a:ea typeface="Times New Roman"/>
-                <a:cs typeface="Times New Roman"/>
-                <a:sym typeface="Times New Roman"/>
-              </a:rPr>
-              <a:t>информации. Удобство админ-панели для просмотра информации о </a:t>
-            </a:r>
-            <a:r>
-              <a:rPr lang="ru-RU" dirty="0" err="1" smtClean="0">
-                <a:solidFill>
-                  <a:schemeClr val="dk1"/>
-                </a:solidFill>
-                <a:latin typeface="Times New Roman"/>
-                <a:ea typeface="Times New Roman"/>
-                <a:cs typeface="Times New Roman"/>
-                <a:sym typeface="Times New Roman"/>
-              </a:rPr>
-              <a:t>парсерах</a:t>
-            </a:r>
-            <a:r>
-              <a:rPr lang="ru-RU" dirty="0">
-                <a:solidFill>
-                  <a:schemeClr val="dk1"/>
-                </a:solidFill>
-                <a:latin typeface="Times New Roman"/>
-                <a:ea typeface="Times New Roman"/>
-                <a:cs typeface="Times New Roman"/>
-                <a:sym typeface="Times New Roman"/>
-              </a:rPr>
-              <a:t>.</a:t>
+              <a:t>веб-сайт с турецкой недвижимостью</a:t>
             </a:r>
             <a:endParaRPr lang="en-US" dirty="0" smtClean="0">
               <a:solidFill>
@@ -9687,7 +11771,7 @@
               <a:t>исследования </a:t>
             </a:r>
             <a:r>
-              <a:rPr lang="ru-RU" dirty="0">
+              <a:rPr lang="ru-RU" dirty="0" smtClean="0">
                 <a:solidFill>
                   <a:schemeClr val="dk1"/>
                 </a:solidFill>
@@ -9696,43 +11780,7 @@
                 <a:cs typeface="Times New Roman"/>
                 <a:sym typeface="Times New Roman"/>
               </a:rPr>
-              <a:t>является база данных о турецкой </a:t>
-            </a:r>
-            <a:r>
-              <a:rPr lang="ru-RU" dirty="0" smtClean="0">
-                <a:solidFill>
-                  <a:schemeClr val="dk1"/>
-                </a:solidFill>
-                <a:latin typeface="Times New Roman"/>
-                <a:ea typeface="Times New Roman"/>
-                <a:cs typeface="Times New Roman"/>
-                <a:sym typeface="Times New Roman"/>
-              </a:rPr>
-              <a:t>недвижимости, админ-панель для просмотра информации о </a:t>
-            </a:r>
-            <a:r>
-              <a:rPr lang="ru-RU" dirty="0" err="1" smtClean="0">
-                <a:solidFill>
-                  <a:schemeClr val="dk1"/>
-                </a:solidFill>
-                <a:latin typeface="Times New Roman"/>
-                <a:ea typeface="Times New Roman"/>
-                <a:cs typeface="Times New Roman"/>
-                <a:sym typeface="Times New Roman"/>
-              </a:rPr>
-              <a:t>парсерах</a:t>
-            </a:r>
-            <a:r>
-              <a:rPr lang="ru-RU" dirty="0" smtClean="0">
-                <a:solidFill>
-                  <a:schemeClr val="dk1"/>
-                </a:solidFill>
-                <a:latin typeface="Times New Roman"/>
-                <a:ea typeface="Times New Roman"/>
-                <a:cs typeface="Times New Roman"/>
-                <a:sym typeface="Times New Roman"/>
-              </a:rPr>
-              <a:t>.</a:t>
+              <a:t>процесс автоматизированного сбора информации с веб-сайта</a:t>
             </a:r>
             <a:endParaRPr dirty="0">
               <a:solidFill>
@@ -9808,6 +11856,13 @@
   <p:clrMapOvr>
     <a:masterClrMapping/>
   </p:clrMapOvr>
+  <p:timing>
+    <p:tnLst>
+      <p:par>
+        <p:cTn id="1" dur="indefinite" restart="never" nodeType="tmRoot"/>
+      </p:par>
+    </p:tnLst>
+  </p:timing>
 </p:sld>
 </file>
 
@@ -9840,7 +11895,7 @@
         </p:nvSpPr>
         <p:spPr>
           <a:xfrm>
-            <a:off x="275425" y="203125"/>
+            <a:off x="275425" y="-165004"/>
             <a:ext cx="8520600" cy="572700"/>
           </a:xfrm>
           <a:prstGeom prst="rect">
@@ -9886,7 +11941,7 @@
         </p:nvSpPr>
         <p:spPr>
           <a:xfrm>
-            <a:off x="275425" y="1361287"/>
+            <a:off x="275425" y="1085629"/>
             <a:ext cx="8520600" cy="3577588"/>
           </a:xfrm>
           <a:prstGeom prst="rect">
@@ -10215,6 +12270,13 @@
   <p:clrMapOvr>
     <a:masterClrMapping/>
   </p:clrMapOvr>
+  <p:timing>
+    <p:tnLst>
+      <p:par>
+        <p:cTn id="1" dur="indefinite" restart="never" nodeType="tmRoot"/>
+      </p:par>
+    </p:tnLst>
+  </p:timing>
 </p:sld>
 </file>
 
@@ -10271,7 +12333,7 @@
               <a:buNone/>
             </a:pPr>
             <a:r>
-              <a:rPr lang="ru" sz="3220" b="1">
+              <a:rPr lang="ru" sz="3220" b="1" dirty="0">
                 <a:latin typeface="Times New Roman"/>
                 <a:ea typeface="Times New Roman"/>
                 <a:cs typeface="Times New Roman"/>
@@ -10279,7 +12341,7 @@
               </a:rPr>
               <a:t>Анализ аналогов систем сбора информации</a:t>
             </a:r>
-            <a:endParaRPr sz="3220" b="1">
+            <a:endParaRPr sz="3220" b="1" dirty="0">
               <a:latin typeface="Times New Roman"/>
               <a:ea typeface="Times New Roman"/>
               <a:cs typeface="Times New Roman"/>
@@ -10347,7 +12409,7 @@
           <p:nvPr>
             <p:extLst>
               <p:ext uri="{D42A27DB-BD31-4B8C-83A1-F6EECF244321}">
-                <p14:modId xmlns:p14="http://schemas.microsoft.com/office/powerpoint/2010/main" val="2156248826"/>
+                <p14:modId xmlns:p14="http://schemas.microsoft.com/office/powerpoint/2010/main" val="2851683757"/>
               </p:ext>
             </p:extLst>
           </p:nvPr>
@@ -10671,16 +12733,7 @@
                           <a:cs typeface="Times New Roman"/>
                           <a:sym typeface="Times New Roman"/>
                         </a:rPr>
-                        <a:t>Пагинация</a:t>
-                      </a:r>
-                      <a:r>
-                        <a:rPr lang="ru" sz="2000" baseline="0" dirty="0" smtClean="0">
-                          <a:latin typeface="Times New Roman"/>
-                          <a:ea typeface="Times New Roman"/>
-                          <a:cs typeface="Times New Roman"/>
-                          <a:sym typeface="Times New Roman"/>
-                        </a:rPr>
-                        <a:t> в админ-панели</a:t>
+                        <a:t>Возможность расширения</a:t>
                       </a:r>
                       <a:endParaRPr sz="2000" dirty="0">
                         <a:latin typeface="Times New Roman"/>
@@ -10744,10 +12797,10 @@
                         <a:buNone/>
                       </a:pPr>
                       <a:r>
-                        <a:rPr lang="ru" sz="2000"/>
+                        <a:rPr lang="ru" sz="2000" dirty="0"/>
                         <a:t>-</a:t>
                       </a:r>
-                      <a:endParaRPr sz="2000"/>
+                      <a:endParaRPr sz="2000" dirty="0"/>
                     </a:p>
                   </a:txBody>
                   <a:tcPr marL="91425" marR="91425" marT="91425" marB="91425">
@@ -10819,8 +12872,8 @@
                         <a:buNone/>
                       </a:pPr>
                       <a:r>
-                        <a:rPr lang="en-US" sz="2000" dirty="0" smtClean="0"/>
-                        <a:t>-</a:t>
+                        <a:rPr lang="ru-RU" sz="2000" dirty="0" smtClean="0"/>
+                        <a:t>+</a:t>
                       </a:r>
                       <a:endParaRPr sz="2000" dirty="0"/>
                     </a:p>
@@ -10875,6 +12928,21 @@
                         <a:t> сайта </a:t>
                       </a:r>
                       <a:r>
+                        <a:rPr lang="en-US" sz="2000" baseline="0" dirty="0" smtClean="0">
+                          <a:solidFill>
+                            <a:schemeClr val="tx1">
+                              <a:lumMod val="95000"/>
+                              <a:lumOff val="5000"/>
+                            </a:schemeClr>
+                          </a:solidFill>
+                          <a:latin typeface="Times New Roman"/>
+                          <a:ea typeface="Times New Roman"/>
+                          <a:cs typeface="Times New Roman"/>
+                          <a:sym typeface="Times New Roman"/>
+                        </a:rPr>
+                        <a:t>vartur</a:t>
+                      </a:r>
+                      <a:r>
                         <a:rPr lang="en-US" sz="2000" dirty="0" smtClean="0">
                           <a:solidFill>
                             <a:schemeClr val="tx1">
@@ -10887,7 +12955,7 @@
                           <a:cs typeface="Times New Roman"/>
                           <a:sym typeface="Times New Roman"/>
                         </a:rPr>
-                        <a:t>hepsiemlak.com</a:t>
+                        <a:t>.com</a:t>
                       </a:r>
                       <a:endParaRPr sz="2000" dirty="0">
                         <a:solidFill>
@@ -10990,10 +13058,10 @@
                         <a:buNone/>
                       </a:pPr>
                       <a:r>
-                        <a:rPr lang="ru" sz="2000"/>
+                        <a:rPr lang="ru" sz="2000" dirty="0"/>
                         <a:t>-</a:t>
                       </a:r>
-                      <a:endParaRPr sz="2000"/>
+                      <a:endParaRPr sz="2000" dirty="0"/>
                     </a:p>
                   </a:txBody>
                   <a:tcPr marL="91425" marR="91425" marT="91425" marB="91425"/>
@@ -11041,13 +13109,31 @@
                         <a:buNone/>
                       </a:pPr>
                       <a:r>
-                        <a:rPr lang="ru" sz="2000" dirty="0" smtClean="0">
+                        <a:rPr lang="ru-RU" sz="2000" dirty="0" err="1" smtClean="0">
                           <a:latin typeface="Times New Roman"/>
                           <a:ea typeface="Times New Roman"/>
                           <a:cs typeface="Times New Roman"/>
                           <a:sym typeface="Times New Roman"/>
                         </a:rPr>
-                        <a:t>Гибкость в настройке</a:t>
+                        <a:t>Логирование</a:t>
+                      </a:r>
+                      <a:r>
+                        <a:rPr lang="ru-RU" sz="2000" baseline="0" dirty="0" smtClean="0">
+                          <a:latin typeface="Times New Roman"/>
+                          <a:ea typeface="Times New Roman"/>
+                          <a:cs typeface="Times New Roman"/>
+                          <a:sym typeface="Times New Roman"/>
+                        </a:rPr>
+                        <a:t> запусков </a:t>
+                      </a:r>
+                      <a:r>
+                        <a:rPr lang="ru-RU" sz="2000" baseline="0" dirty="0" err="1" smtClean="0">
+                          <a:latin typeface="Times New Roman"/>
+                          <a:ea typeface="Times New Roman"/>
+                          <a:cs typeface="Times New Roman"/>
+                          <a:sym typeface="Times New Roman"/>
+                        </a:rPr>
+                        <a:t>парсеров</a:t>
                       </a:r>
                       <a:endParaRPr sz="2000" dirty="0">
                         <a:latin typeface="Times New Roman"/>
@@ -11111,10 +13197,10 @@
                         <a:buNone/>
                       </a:pPr>
                       <a:r>
-                        <a:rPr lang="ru" sz="2000"/>
-                        <a:t>-</a:t>
+                        <a:rPr lang="en-US" sz="2000" dirty="0" smtClean="0"/>
+                        <a:t>0</a:t>
                       </a:r>
-                      <a:endParaRPr sz="2000"/>
+                      <a:endParaRPr sz="2000" dirty="0"/>
                     </a:p>
                   </a:txBody>
                   <a:tcPr marL="91425" marR="91425" marT="91425" marB="91425">
@@ -11144,10 +13230,10 @@
                         <a:buNone/>
                       </a:pPr>
                       <a:r>
-                        <a:rPr lang="ru" sz="2000"/>
-                        <a:t>-</a:t>
+                        <a:rPr lang="en-US" sz="2000" dirty="0" smtClean="0"/>
+                        <a:t>5</a:t>
                       </a:r>
-                      <a:endParaRPr sz="2000"/>
+                      <a:endParaRPr sz="2000" dirty="0"/>
                     </a:p>
                   </a:txBody>
                   <a:tcPr marL="91425" marR="91425" marT="91425" marB="91425"/>
@@ -11167,8 +13253,8 @@
                         <a:buNone/>
                       </a:pPr>
                       <a:r>
-                        <a:rPr lang="en-US" sz="2000" dirty="0" smtClean="0"/>
-                        <a:t>+</a:t>
+                        <a:rPr lang="ru-RU" sz="2000" dirty="0" smtClean="0"/>
+                        <a:t>неограниченно</a:t>
                       </a:r>
                       <a:endParaRPr sz="2000" dirty="0"/>
                     </a:p>
@@ -11195,13 +13281,31 @@
                         <a:buNone/>
                       </a:pPr>
                       <a:r>
-                        <a:rPr lang="ru" sz="2000" dirty="0">
+                        <a:rPr lang="ru-RU" sz="2000" dirty="0" smtClean="0">
                           <a:latin typeface="Times New Roman"/>
                           <a:ea typeface="Times New Roman"/>
                           <a:cs typeface="Times New Roman"/>
                           <a:sym typeface="Times New Roman"/>
                         </a:rPr>
-                        <a:t>Сбор данных об объектах</a:t>
+                        <a:t>Количество</a:t>
+                      </a:r>
+                      <a:r>
+                        <a:rPr lang="ru-RU" sz="2000" baseline="0" dirty="0" smtClean="0">
+                          <a:latin typeface="Times New Roman"/>
+                          <a:ea typeface="Times New Roman"/>
+                          <a:cs typeface="Times New Roman"/>
+                          <a:sym typeface="Times New Roman"/>
+                        </a:rPr>
+                        <a:t> </a:t>
+                      </a:r>
+                      <a:r>
+                        <a:rPr lang="ru-RU" sz="2000" baseline="0" dirty="0" err="1" smtClean="0">
+                          <a:latin typeface="Times New Roman"/>
+                          <a:ea typeface="Times New Roman"/>
+                          <a:cs typeface="Times New Roman"/>
+                          <a:sym typeface="Times New Roman"/>
+                        </a:rPr>
+                        <a:t>парсеров</a:t>
                       </a:r>
                       <a:endParaRPr sz="2000" dirty="0">
                         <a:latin typeface="Times New Roman"/>
@@ -11265,8 +13369,8 @@
                         <a:buNone/>
                       </a:pPr>
                       <a:r>
-                        <a:rPr lang="ru" sz="2000" dirty="0"/>
-                        <a:t>+</a:t>
+                        <a:rPr lang="ru" sz="2000" dirty="0" smtClean="0"/>
+                        <a:t>1</a:t>
                       </a:r>
                       <a:endParaRPr sz="2000" dirty="0"/>
                     </a:p>
@@ -11298,10 +13402,10 @@
                         <a:buNone/>
                       </a:pPr>
                       <a:r>
-                        <a:rPr lang="ru" sz="2000"/>
-                        <a:t>+</a:t>
+                        <a:rPr lang="ru" sz="2000" dirty="0" smtClean="0"/>
+                        <a:t>10</a:t>
                       </a:r>
-                      <a:endParaRPr sz="2000"/>
+                      <a:endParaRPr sz="2000" dirty="0"/>
                     </a:p>
                   </a:txBody>
                   <a:tcPr marL="91425" marR="91425" marT="91425" marB="91425"/>
@@ -11321,8 +13425,8 @@
                         <a:buNone/>
                       </a:pPr>
                       <a:r>
-                        <a:rPr lang="ru" sz="2000" dirty="0"/>
-                        <a:t>+</a:t>
+                        <a:rPr lang="ru-RU" sz="2000" dirty="0" smtClean="0"/>
+                        <a:t>неограниченно</a:t>
                       </a:r>
                       <a:endParaRPr sz="2000" dirty="0"/>
                     </a:p>
@@ -11729,7 +13833,7 @@
                 <a:cs typeface="Times New Roman"/>
                 <a:sym typeface="Times New Roman"/>
               </a:rPr>
-              <a:t>Наиболее подходящим является «Зарубежная система»</a:t>
+              <a:t>Взята за основу для доработки веб-приложение «Зарубежная недвижимость»</a:t>
             </a:r>
             <a:endParaRPr sz="2000" dirty="0">
               <a:solidFill>
@@ -11748,360 +13852,17 @@
   <p:clrMapOvr>
     <a:masterClrMapping/>
   </p:clrMapOvr>
+  <p:timing>
+    <p:tnLst>
+      <p:par>
+        <p:cTn id="1" dur="indefinite" restart="never" nodeType="tmRoot"/>
+      </p:par>
+    </p:tnLst>
+  </p:timing>
 </p:sld>
 </file>
 
 <file path=ppt/slides/slide8.xml><?xml version="1.0" encoding="utf-8"?>
-<p:sld xmlns:a="http://schemas.openxmlformats.org/drawingml/2006/main" xmlns:r="http://schemas.openxmlformats.org/officeDocument/2006/relationships" xmlns:p="http://schemas.openxmlformats.org/presentationml/2006/main">
-  <p:cSld>
-    <p:spTree>
-      <p:nvGrpSpPr>
-        <p:cNvPr id="1" name="Shape 142"/>
-        <p:cNvGrpSpPr/>
-        <p:nvPr/>
-      </p:nvGrpSpPr>
-      <p:grpSpPr>
-        <a:xfrm>
-          <a:off x="0" y="0"/>
-          <a:ext cx="0" cy="0"/>
-          <a:chOff x="0" y="0"/>
-          <a:chExt cx="0" cy="0"/>
-        </a:xfrm>
-      </p:grpSpPr>
-      <p:sp>
-        <p:nvSpPr>
-          <p:cNvPr id="143" name="Google Shape;143;p24"/>
-          <p:cNvSpPr txBox="1">
-            <a:spLocks noGrp="1"/>
-          </p:cNvSpPr>
-          <p:nvPr>
-            <p:ph type="title"/>
-          </p:nvPr>
-        </p:nvSpPr>
-        <p:spPr>
-          <a:xfrm>
-            <a:off x="311700" y="312550"/>
-            <a:ext cx="8520600" cy="551400"/>
-          </a:xfrm>
-          <a:prstGeom prst="rect">
-            <a:avLst/>
-          </a:prstGeom>
-        </p:spPr>
-        <p:txBody>
-          <a:bodyPr spcFirstLastPara="1" wrap="square" lIns="91425" tIns="91425" rIns="91425" bIns="91425" anchor="ctr" anchorCtr="0">
-            <a:noAutofit/>
-          </a:bodyPr>
-          <a:lstStyle/>
-          <a:p>
-            <a:pPr marL="0" lvl="0" indent="0" algn="ctr" rtl="0">
-              <a:spcBef>
-                <a:spcPts val="0"/>
-              </a:spcBef>
-              <a:spcAft>
-                <a:spcPts val="0"/>
-              </a:spcAft>
-              <a:buSzPts val="990"/>
-              <a:buNone/>
-            </a:pPr>
-            <a:r>
-              <a:rPr lang="ru" sz="3220" b="1" dirty="0" smtClean="0">
-                <a:latin typeface="Times New Roman"/>
-                <a:ea typeface="Times New Roman"/>
-                <a:cs typeface="Times New Roman"/>
-                <a:sym typeface="Times New Roman"/>
-              </a:rPr>
-              <a:t>Предлагаемое решение</a:t>
-            </a:r>
-            <a:endParaRPr sz="3220" b="1" dirty="0">
-              <a:latin typeface="Times New Roman"/>
-              <a:ea typeface="Times New Roman"/>
-              <a:cs typeface="Times New Roman"/>
-              <a:sym typeface="Times New Roman"/>
-            </a:endParaRPr>
-          </a:p>
-        </p:txBody>
-      </p:sp>
-      <p:sp>
-        <p:nvSpPr>
-          <p:cNvPr id="144" name="Google Shape;144;p24"/>
-          <p:cNvSpPr txBox="1">
-            <a:spLocks noGrp="1"/>
-          </p:cNvSpPr>
-          <p:nvPr>
-            <p:ph type="sldNum" idx="12"/>
-          </p:nvPr>
-        </p:nvSpPr>
-        <p:spPr>
-          <a:xfrm>
-            <a:off x="8472458" y="4663217"/>
-            <a:ext cx="548700" cy="393600"/>
-          </a:xfrm>
-          <a:prstGeom prst="rect">
-            <a:avLst/>
-          </a:prstGeom>
-        </p:spPr>
-        <p:txBody>
-          <a:bodyPr spcFirstLastPara="1" wrap="square" lIns="91425" tIns="91425" rIns="91425" bIns="91425" anchor="ctr" anchorCtr="0">
-            <a:noAutofit/>
-          </a:bodyPr>
-          <a:lstStyle/>
-          <a:p>
-            <a:pPr marL="0" lvl="0" indent="0" algn="r" rtl="0">
-              <a:spcBef>
-                <a:spcPts val="0"/>
-              </a:spcBef>
-              <a:spcAft>
-                <a:spcPts val="0"/>
-              </a:spcAft>
-              <a:buNone/>
-            </a:pPr>
-            <a:r>
-              <a:rPr lang="en-US" sz="2400" dirty="0" smtClean="0">
-                <a:latin typeface="Times New Roman"/>
-                <a:ea typeface="Times New Roman"/>
-                <a:cs typeface="Times New Roman"/>
-                <a:sym typeface="Times New Roman"/>
-              </a:rPr>
-              <a:t>8</a:t>
-            </a:r>
-            <a:endParaRPr sz="2400" dirty="0">
-              <a:latin typeface="Times New Roman"/>
-              <a:ea typeface="Times New Roman"/>
-              <a:cs typeface="Times New Roman"/>
-              <a:sym typeface="Times New Roman"/>
-            </a:endParaRPr>
-          </a:p>
-        </p:txBody>
-      </p:sp>
-      <p:sp>
-        <p:nvSpPr>
-          <p:cNvPr id="6" name="Google Shape;82;p17"/>
-          <p:cNvSpPr txBox="1">
-            <a:spLocks noGrp="1"/>
-          </p:cNvSpPr>
-          <p:nvPr>
-            <p:ph type="body" idx="1"/>
-          </p:nvPr>
-        </p:nvSpPr>
-        <p:spPr>
-          <a:xfrm>
-            <a:off x="275425" y="863950"/>
-            <a:ext cx="8520600" cy="4074925"/>
-          </a:xfrm>
-          <a:prstGeom prst="rect">
-            <a:avLst/>
-          </a:prstGeom>
-        </p:spPr>
-        <p:txBody>
-          <a:bodyPr spcFirstLastPara="1" wrap="square" lIns="91425" tIns="91425" rIns="91425" bIns="91425" anchor="t" anchorCtr="0">
-            <a:normAutofit/>
-          </a:bodyPr>
-          <a:lstStyle/>
-          <a:p>
-            <a:pPr marL="101600" marR="0" lvl="0" indent="0" algn="just" rtl="0">
-              <a:lnSpc>
-                <a:spcPct val="150000"/>
-              </a:lnSpc>
-              <a:spcBef>
-                <a:spcPts val="0"/>
-              </a:spcBef>
-              <a:spcAft>
-                <a:spcPts val="0"/>
-              </a:spcAft>
-              <a:buClr>
-                <a:schemeClr val="dk1"/>
-              </a:buClr>
-              <a:buSzPts val="2000"/>
-              <a:buNone/>
-            </a:pPr>
-            <a:r>
-              <a:rPr lang="ru-RU" sz="2000" dirty="0" smtClean="0">
-                <a:solidFill>
-                  <a:schemeClr val="dk1"/>
-                </a:solidFill>
-                <a:latin typeface="Times New Roman"/>
-                <a:ea typeface="Times New Roman"/>
-                <a:cs typeface="Times New Roman"/>
-                <a:sym typeface="Times New Roman"/>
-              </a:rPr>
-              <a:t>   Предлагается совершенствование веб-сервиса для парсинга турецкой недвижимости. Решение состоит из двух модулей:</a:t>
-            </a:r>
-          </a:p>
-          <a:p>
-            <a:pPr marL="444500" marR="0" lvl="0" algn="just" rtl="0">
-              <a:lnSpc>
-                <a:spcPct val="150000"/>
-              </a:lnSpc>
-              <a:spcBef>
-                <a:spcPts val="0"/>
-              </a:spcBef>
-              <a:spcAft>
-                <a:spcPts val="0"/>
-              </a:spcAft>
-              <a:buClr>
-                <a:schemeClr val="dk1"/>
-              </a:buClr>
-              <a:buSzPts val="2000"/>
-              <a:buFontTx/>
-              <a:buChar char="-"/>
-            </a:pPr>
-            <a:r>
-              <a:rPr lang="ru-RU" sz="2000" dirty="0" smtClean="0">
-                <a:solidFill>
-                  <a:schemeClr val="dk1"/>
-                </a:solidFill>
-                <a:latin typeface="Times New Roman"/>
-                <a:ea typeface="Times New Roman"/>
-                <a:cs typeface="Times New Roman"/>
-                <a:sym typeface="Times New Roman"/>
-              </a:rPr>
-              <a:t>модуль парсинга.</a:t>
-            </a:r>
-          </a:p>
-          <a:p>
-            <a:pPr marL="444500" marR="0" lvl="0" algn="just" rtl="0">
-              <a:lnSpc>
-                <a:spcPct val="150000"/>
-              </a:lnSpc>
-              <a:spcBef>
-                <a:spcPts val="0"/>
-              </a:spcBef>
-              <a:spcAft>
-                <a:spcPts val="0"/>
-              </a:spcAft>
-              <a:buClr>
-                <a:schemeClr val="dk1"/>
-              </a:buClr>
-              <a:buSzPts val="2000"/>
-              <a:buFontTx/>
-              <a:buChar char="-"/>
-            </a:pPr>
-            <a:r>
-              <a:rPr lang="ru-RU" sz="2000" dirty="0" smtClean="0">
-                <a:solidFill>
-                  <a:schemeClr val="dk1"/>
-                </a:solidFill>
-                <a:latin typeface="Times New Roman"/>
-                <a:ea typeface="Times New Roman"/>
-                <a:cs typeface="Times New Roman"/>
-                <a:sym typeface="Times New Roman"/>
-              </a:rPr>
-              <a:t>модуль админ-панели.</a:t>
-            </a:r>
-            <a:endParaRPr lang="ru-RU" sz="2000" dirty="0">
-              <a:solidFill>
-                <a:schemeClr val="dk1"/>
-              </a:solidFill>
-              <a:latin typeface="Times New Roman"/>
-              <a:ea typeface="Times New Roman"/>
-              <a:cs typeface="Times New Roman"/>
-              <a:sym typeface="Times New Roman"/>
-            </a:endParaRPr>
-          </a:p>
-          <a:p>
-            <a:pPr marL="101600" marR="0" lvl="0" indent="0" algn="just" rtl="0">
-              <a:lnSpc>
-                <a:spcPct val="150000"/>
-              </a:lnSpc>
-              <a:spcBef>
-                <a:spcPts val="0"/>
-              </a:spcBef>
-              <a:spcAft>
-                <a:spcPts val="0"/>
-              </a:spcAft>
-              <a:buClr>
-                <a:schemeClr val="dk1"/>
-              </a:buClr>
-              <a:buSzPts val="2000"/>
-              <a:buNone/>
-            </a:pPr>
-            <a:r>
-              <a:rPr lang="ru-RU" sz="2000" dirty="0" smtClean="0">
-                <a:solidFill>
-                  <a:schemeClr val="dk1"/>
-                </a:solidFill>
-                <a:latin typeface="Times New Roman"/>
-                <a:ea typeface="Times New Roman"/>
-                <a:cs typeface="Times New Roman"/>
-                <a:sym typeface="Times New Roman"/>
-              </a:rPr>
-              <a:t>Добавление пагинации на админ-панель, создание </a:t>
-            </a:r>
-            <a:r>
-              <a:rPr lang="ru-RU" sz="2000" dirty="0" err="1" smtClean="0">
-                <a:solidFill>
-                  <a:schemeClr val="dk1"/>
-                </a:solidFill>
-                <a:latin typeface="Times New Roman"/>
-                <a:ea typeface="Times New Roman"/>
-                <a:cs typeface="Times New Roman"/>
-                <a:sym typeface="Times New Roman"/>
-              </a:rPr>
-              <a:t>парсера</a:t>
-            </a:r>
-            <a:r>
-              <a:rPr lang="ru-RU" sz="2000" dirty="0" smtClean="0">
-                <a:solidFill>
-                  <a:schemeClr val="dk1"/>
-                </a:solidFill>
-                <a:latin typeface="Times New Roman"/>
-                <a:ea typeface="Times New Roman"/>
-                <a:cs typeface="Times New Roman"/>
-                <a:sym typeface="Times New Roman"/>
-              </a:rPr>
-              <a:t> для сайта </a:t>
-            </a:r>
-            <a:r>
-              <a:rPr lang="en-US" sz="2000" dirty="0" smtClean="0">
-                <a:solidFill>
-                  <a:schemeClr val="dk1"/>
-                </a:solidFill>
-                <a:latin typeface="Times New Roman"/>
-                <a:ea typeface="Times New Roman"/>
-                <a:cs typeface="Times New Roman"/>
-                <a:sym typeface="Times New Roman"/>
-              </a:rPr>
-              <a:t>hepsiemlak.com.</a:t>
-            </a:r>
-          </a:p>
-          <a:p>
-            <a:pPr marL="101600" marR="0" lvl="0" indent="0" algn="just" rtl="0">
-              <a:lnSpc>
-                <a:spcPct val="150000"/>
-              </a:lnSpc>
-              <a:spcBef>
-                <a:spcPts val="0"/>
-              </a:spcBef>
-              <a:spcAft>
-                <a:spcPts val="0"/>
-              </a:spcAft>
-              <a:buClr>
-                <a:schemeClr val="dk1"/>
-              </a:buClr>
-              <a:buSzPts val="2000"/>
-              <a:buNone/>
-            </a:pPr>
-            <a:endParaRPr lang="ru-RU" sz="2000" dirty="0" smtClean="0">
-              <a:solidFill>
-                <a:schemeClr val="dk1"/>
-              </a:solidFill>
-              <a:latin typeface="Times New Roman"/>
-              <a:ea typeface="Times New Roman"/>
-              <a:cs typeface="Times New Roman"/>
-              <a:sym typeface="Times New Roman"/>
-            </a:endParaRPr>
-          </a:p>
-        </p:txBody>
-      </p:sp>
-    </p:spTree>
-  </p:cSld>
-  <p:clrMapOvr>
-    <a:masterClrMapping/>
-  </p:clrMapOvr>
-</p:sld>
-</file>
-
-<file path=ppt/slides/slide9.xml><?xml version="1.0" encoding="utf-8"?>
 <p:sld xmlns:a="http://schemas.openxmlformats.org/drawingml/2006/main" xmlns:r="http://schemas.openxmlformats.org/officeDocument/2006/relationships" xmlns:p="http://schemas.openxmlformats.org/presentationml/2006/main">
   <p:cSld>
     <p:spTree>
@@ -12147,17 +13908,30 @@
               <a:buSzPts val="990"/>
             </a:pPr>
             <a:r>
-              <a:rPr lang="ru-RU" sz="3600" dirty="0" smtClean="0"/>
-              <a:t>Практическая </a:t>
-            </a:r>
-            <a:r>
-              <a:rPr lang="ru-RU" sz="3600" dirty="0"/>
+              <a:rPr lang="ru-RU" sz="3220" b="1" dirty="0" smtClean="0">
+                <a:latin typeface="Times New Roman" panose="02020603050405020304" pitchFamily="18" charset="0"/>
+                <a:cs typeface="Times New Roman" panose="02020603050405020304" pitchFamily="18" charset="0"/>
+              </a:rPr>
+              <a:t>Практическая</a:t>
+            </a:r>
+            <a:r>
+              <a:rPr lang="ru-RU" sz="3600" b="1" dirty="0" smtClean="0">
+                <a:latin typeface="Times New Roman" panose="02020603050405020304" pitchFamily="18" charset="0"/>
+                <a:cs typeface="Times New Roman" panose="02020603050405020304" pitchFamily="18" charset="0"/>
+              </a:rPr>
+              <a:t> </a:t>
+            </a:r>
+            <a:r>
+              <a:rPr lang="ru-RU" sz="3600" b="1" dirty="0">
+                <a:latin typeface="Times New Roman" panose="02020603050405020304" pitchFamily="18" charset="0"/>
+                <a:cs typeface="Times New Roman" panose="02020603050405020304" pitchFamily="18" charset="0"/>
+              </a:rPr>
               <a:t>значимость </a:t>
             </a:r>
             <a:endParaRPr sz="3220" b="1" dirty="0">
-              <a:latin typeface="Times New Roman"/>
+              <a:latin typeface="Times New Roman" panose="02020603050405020304" pitchFamily="18" charset="0"/>
               <a:ea typeface="Times New Roman"/>
-              <a:cs typeface="Times New Roman"/>
+              <a:cs typeface="Times New Roman" panose="02020603050405020304" pitchFamily="18" charset="0"/>
               <a:sym typeface="Times New Roman"/>
             </a:endParaRPr>
           </a:p>
@@ -12420,6 +14194,211 @@
   <p:clrMapOvr>
     <a:masterClrMapping/>
   </p:clrMapOvr>
+  <p:timing>
+    <p:tnLst>
+      <p:par>
+        <p:cTn id="1" dur="indefinite" restart="never" nodeType="tmRoot"/>
+      </p:par>
+    </p:tnLst>
+  </p:timing>
+</p:sld>
+</file>
+
+<file path=ppt/slides/slide9.xml><?xml version="1.0" encoding="utf-8"?>
+<p:sld xmlns:a="http://schemas.openxmlformats.org/drawingml/2006/main" xmlns:r="http://schemas.openxmlformats.org/officeDocument/2006/relationships" xmlns:p="http://schemas.openxmlformats.org/presentationml/2006/main">
+  <p:cSld>
+    <p:spTree>
+      <p:nvGrpSpPr>
+        <p:cNvPr id="1" name=""/>
+        <p:cNvGrpSpPr/>
+        <p:nvPr/>
+      </p:nvGrpSpPr>
+      <p:grpSpPr>
+        <a:xfrm>
+          <a:off x="0" y="0"/>
+          <a:ext cx="0" cy="0"/>
+          <a:chOff x="0" y="0"/>
+          <a:chExt cx="0" cy="0"/>
+        </a:xfrm>
+      </p:grpSpPr>
+      <p:sp>
+        <p:nvSpPr>
+          <p:cNvPr id="2" name="Заголовок 1"/>
+          <p:cNvSpPr>
+            <a:spLocks noGrp="1"/>
+          </p:cNvSpPr>
+          <p:nvPr>
+            <p:ph type="title"/>
+          </p:nvPr>
+        </p:nvSpPr>
+        <p:spPr>
+          <a:xfrm>
+            <a:off x="311700" y="0"/>
+            <a:ext cx="8520600" cy="572700"/>
+          </a:xfrm>
+        </p:spPr>
+        <p:txBody>
+          <a:bodyPr>
+            <a:noAutofit/>
+          </a:bodyPr>
+          <a:lstStyle/>
+          <a:p>
+            <a:pPr algn="ctr"/>
+            <a:r>
+              <a:rPr lang="ru-RU" sz="3220" b="1" dirty="0" smtClean="0">
+                <a:latin typeface="Times New Roman" panose="02020603050405020304" pitchFamily="18" charset="0"/>
+                <a:cs typeface="Times New Roman" panose="02020603050405020304" pitchFamily="18" charset="0"/>
+              </a:rPr>
+              <a:t>Процесс сбора информации с сайта в модуле </a:t>
+            </a:r>
+            <a:r>
+              <a:rPr lang="ru-RU" sz="3220" b="1" dirty="0" err="1" smtClean="0">
+                <a:latin typeface="Times New Roman" panose="02020603050405020304" pitchFamily="18" charset="0"/>
+                <a:cs typeface="Times New Roman" panose="02020603050405020304" pitchFamily="18" charset="0"/>
+              </a:rPr>
+              <a:t>парсера</a:t>
+            </a:r>
+            <a:endParaRPr lang="ru-RU" sz="3220" b="1" dirty="0">
+              <a:latin typeface="Times New Roman" panose="02020603050405020304" pitchFamily="18" charset="0"/>
+              <a:cs typeface="Times New Roman" panose="02020603050405020304" pitchFamily="18" charset="0"/>
+            </a:endParaRPr>
+          </a:p>
+        </p:txBody>
+      </p:sp>
+      <p:sp>
+        <p:nvSpPr>
+          <p:cNvPr id="4" name="Номер слайда 3"/>
+          <p:cNvSpPr>
+            <a:spLocks noGrp="1"/>
+          </p:cNvSpPr>
+          <p:nvPr>
+            <p:ph type="sldNum" idx="12"/>
+          </p:nvPr>
+        </p:nvSpPr>
+        <p:spPr/>
+        <p:txBody>
+          <a:bodyPr/>
+          <a:lstStyle/>
+          <a:p>
+            <a:pPr marL="0" lvl="0" indent="0" algn="r" rtl="0">
+              <a:spcBef>
+                <a:spcPts val="0"/>
+              </a:spcBef>
+              <a:spcAft>
+                <a:spcPts val="0"/>
+              </a:spcAft>
+              <a:buNone/>
+            </a:pPr>
+            <a:fld id="{00000000-1234-1234-1234-123412341234}" type="slidenum">
+              <a:rPr lang="ru" smtClean="0"/>
+              <a:t>9</a:t>
+            </a:fld>
+            <a:endParaRPr lang="ru"/>
+          </a:p>
+        </p:txBody>
+      </p:sp>
+      <p:pic>
+        <p:nvPicPr>
+          <p:cNvPr id="5" name="Рисунок 4"/>
+          <p:cNvPicPr>
+            <a:picLocks noChangeAspect="1"/>
+          </p:cNvPicPr>
+          <p:nvPr/>
+        </p:nvPicPr>
+        <p:blipFill>
+          <a:blip r:embed="rId3"/>
+          <a:stretch>
+            <a:fillRect/>
+          </a:stretch>
+        </p:blipFill>
+        <p:spPr>
+          <a:xfrm>
+            <a:off x="0" y="1529301"/>
+            <a:ext cx="9144000" cy="2084898"/>
+          </a:xfrm>
+          <a:prstGeom prst="rect">
+            <a:avLst/>
+          </a:prstGeom>
+        </p:spPr>
+      </p:pic>
+      <p:sp>
+        <p:nvSpPr>
+          <p:cNvPr id="6" name="Прямоугольник 5"/>
+          <p:cNvSpPr/>
+          <p:nvPr/>
+        </p:nvSpPr>
+        <p:spPr>
+          <a:xfrm>
+            <a:off x="479700" y="4154180"/>
+            <a:ext cx="7216500" cy="646331"/>
+          </a:xfrm>
+          <a:prstGeom prst="rect">
+            <a:avLst/>
+          </a:prstGeom>
+        </p:spPr>
+        <p:txBody>
+          <a:bodyPr wrap="square">
+            <a:spAutoFit/>
+          </a:bodyPr>
+          <a:lstStyle/>
+          <a:p>
+            <a:pPr lvl="0"/>
+            <a:r>
+              <a:rPr lang="ru-RU" sz="1800" dirty="0">
+                <a:solidFill>
+                  <a:schemeClr val="dk1"/>
+                </a:solidFill>
+                <a:latin typeface="Times New Roman"/>
+                <a:ea typeface="Times New Roman"/>
+                <a:cs typeface="Times New Roman"/>
+                <a:sym typeface="Times New Roman"/>
+              </a:rPr>
+              <a:t>Диаграмма активности </a:t>
+            </a:r>
+            <a:r>
+              <a:rPr lang="ru-RU" sz="1800" dirty="0" smtClean="0">
+                <a:solidFill>
+                  <a:schemeClr val="dk1"/>
+                </a:solidFill>
+                <a:latin typeface="Times New Roman"/>
+                <a:ea typeface="Times New Roman"/>
+                <a:cs typeface="Times New Roman"/>
+                <a:sym typeface="Times New Roman"/>
+              </a:rPr>
+              <a:t>процесса сбора информации с веб-сайта в </a:t>
+            </a:r>
+            <a:r>
+              <a:rPr lang="ru-RU" sz="1800" dirty="0">
+                <a:solidFill>
+                  <a:schemeClr val="dk1"/>
+                </a:solidFill>
+                <a:latin typeface="Times New Roman"/>
+                <a:ea typeface="Times New Roman"/>
+                <a:cs typeface="Times New Roman"/>
+                <a:sym typeface="Times New Roman"/>
+              </a:rPr>
+              <a:t>нотации UML 2.0</a:t>
+            </a:r>
+          </a:p>
+        </p:txBody>
+      </p:sp>
+    </p:spTree>
+    <p:extLst>
+      <p:ext uri="{BB962C8B-B14F-4D97-AF65-F5344CB8AC3E}">
+        <p14:creationId xmlns:p14="http://schemas.microsoft.com/office/powerpoint/2010/main" val="1938733539"/>
+      </p:ext>
+    </p:extLst>
+  </p:cSld>
+  <p:clrMapOvr>
+    <a:masterClrMapping/>
+  </p:clrMapOvr>
+  <p:timing>
+    <p:tnLst>
+      <p:par>
+        <p:cTn id="1" dur="indefinite" restart="never" nodeType="tmRoot"/>
+      </p:par>
+    </p:tnLst>
+  </p:timing>
 </p:sld>
 </file>
 
